--- a/Research Poster.pptx
+++ b/Research Poster.pptx
@@ -4,6 +4,9 @@
   <p:sldMasterIdLst>
     <p:sldMasterId id="2147483782" r:id="rId1"/>
   </p:sldMasterIdLst>
+  <p:notesMasterIdLst>
+    <p:notesMasterId r:id="rId3"/>
+  </p:notesMasterIdLst>
   <p:sldIdLst>
     <p:sldId id="256" r:id="rId2"/>
   </p:sldIdLst>
@@ -105,11 +108,454 @@
     </a:lvl9pPr>
   </p:defaultTextStyle>
   <p:extLst>
+    <p:ext uri="{521415D9-36F7-43E2-AB2F-B90AF26B5E84}">
+      <p14:sectionLst xmlns:p14="http://schemas.microsoft.com/office/powerpoint/2010/main">
+        <p14:section name="Untitled Section" id="{9F4B6923-6446-44EA-A1E2-2820235D653D}">
+          <p14:sldIdLst>
+            <p14:sldId id="256"/>
+          </p14:sldIdLst>
+        </p14:section>
+      </p14:sectionLst>
+    </p:ext>
     <p:ext uri="{EFAFB233-063F-42B5-8137-9DF3F51BA10A}">
       <p15:sldGuideLst xmlns:p15="http://schemas.microsoft.com/office/powerpoint/2012/main"/>
     </p:ext>
   </p:extLst>
 </p:presentation>
+</file>
+
+<file path=ppt/notesMasters/notesMaster1.xml><?xml version="1.0" encoding="utf-8"?>
+<p:notesMaster xmlns:a="http://schemas.openxmlformats.org/drawingml/2006/main" xmlns:r="http://schemas.openxmlformats.org/officeDocument/2006/relationships" xmlns:p="http://schemas.openxmlformats.org/presentationml/2006/main">
+  <p:cSld>
+    <p:bg>
+      <p:bgRef idx="1001">
+        <a:schemeClr val="bg1"/>
+      </p:bgRef>
+    </p:bg>
+    <p:spTree>
+      <p:nvGrpSpPr>
+        <p:cNvPr id="1" name=""/>
+        <p:cNvGrpSpPr/>
+        <p:nvPr/>
+      </p:nvGrpSpPr>
+      <p:grpSpPr>
+        <a:xfrm>
+          <a:off x="0" y="0"/>
+          <a:ext cx="0" cy="0"/>
+          <a:chOff x="0" y="0"/>
+          <a:chExt cx="0" cy="0"/>
+        </a:xfrm>
+      </p:grpSpPr>
+      <p:sp>
+        <p:nvSpPr>
+          <p:cNvPr id="2" name="Header Placeholder 1"/>
+          <p:cNvSpPr>
+            <a:spLocks noGrp="1"/>
+          </p:cNvSpPr>
+          <p:nvPr>
+            <p:ph type="hdr" sz="quarter"/>
+          </p:nvPr>
+        </p:nvSpPr>
+        <p:spPr>
+          <a:xfrm>
+            <a:off x="0" y="0"/>
+            <a:ext cx="2971800" cy="458788"/>
+          </a:xfrm>
+          <a:prstGeom prst="rect">
+            <a:avLst/>
+          </a:prstGeom>
+        </p:spPr>
+        <p:txBody>
+          <a:bodyPr vert="horz" lIns="91440" tIns="45720" rIns="91440" bIns="45720" rtlCol="0"/>
+          <a:lstStyle>
+            <a:lvl1pPr algn="l">
+              <a:defRPr sz="1200"/>
+            </a:lvl1pPr>
+          </a:lstStyle>
+          <a:p>
+            <a:endParaRPr lang="en-IE"/>
+          </a:p>
+        </p:txBody>
+      </p:sp>
+      <p:sp>
+        <p:nvSpPr>
+          <p:cNvPr id="3" name="Date Placeholder 2"/>
+          <p:cNvSpPr>
+            <a:spLocks noGrp="1"/>
+          </p:cNvSpPr>
+          <p:nvPr>
+            <p:ph type="dt" idx="1"/>
+          </p:nvPr>
+        </p:nvSpPr>
+        <p:spPr>
+          <a:xfrm>
+            <a:off x="3884613" y="0"/>
+            <a:ext cx="2971800" cy="458788"/>
+          </a:xfrm>
+          <a:prstGeom prst="rect">
+            <a:avLst/>
+          </a:prstGeom>
+        </p:spPr>
+        <p:txBody>
+          <a:bodyPr vert="horz" lIns="91440" tIns="45720" rIns="91440" bIns="45720" rtlCol="0"/>
+          <a:lstStyle>
+            <a:lvl1pPr algn="r">
+              <a:defRPr sz="1200"/>
+            </a:lvl1pPr>
+          </a:lstStyle>
+          <a:p>
+            <a:fld id="{AED6AE0B-7495-4AEA-A05C-11E53CFEC7F1}" type="datetimeFigureOut">
+              <a:rPr lang="en-IE" smtClean="0"/>
+              <a:t>25/10/2024</a:t>
+            </a:fld>
+            <a:endParaRPr lang="en-IE"/>
+          </a:p>
+        </p:txBody>
+      </p:sp>
+      <p:sp>
+        <p:nvSpPr>
+          <p:cNvPr id="4" name="Slide Image Placeholder 3"/>
+          <p:cNvSpPr>
+            <a:spLocks noGrp="1" noRot="1" noChangeAspect="1"/>
+          </p:cNvSpPr>
+          <p:nvPr>
+            <p:ph type="sldImg" idx="2"/>
+          </p:nvPr>
+        </p:nvSpPr>
+        <p:spPr>
+          <a:xfrm>
+            <a:off x="685800" y="1143000"/>
+            <a:ext cx="5486400" cy="3086100"/>
+          </a:xfrm>
+          <a:prstGeom prst="rect">
+            <a:avLst/>
+          </a:prstGeom>
+          <a:noFill/>
+          <a:ln w="12700">
+            <a:solidFill>
+              <a:prstClr val="black"/>
+            </a:solidFill>
+          </a:ln>
+        </p:spPr>
+        <p:txBody>
+          <a:bodyPr vert="horz" lIns="91440" tIns="45720" rIns="91440" bIns="45720" rtlCol="0" anchor="ctr"/>
+          <a:lstStyle/>
+          <a:p>
+            <a:endParaRPr lang="en-IE"/>
+          </a:p>
+        </p:txBody>
+      </p:sp>
+      <p:sp>
+        <p:nvSpPr>
+          <p:cNvPr id="5" name="Notes Placeholder 4"/>
+          <p:cNvSpPr>
+            <a:spLocks noGrp="1"/>
+          </p:cNvSpPr>
+          <p:nvPr>
+            <p:ph type="body" sz="quarter" idx="3"/>
+          </p:nvPr>
+        </p:nvSpPr>
+        <p:spPr>
+          <a:xfrm>
+            <a:off x="685800" y="4400550"/>
+            <a:ext cx="5486400" cy="3600450"/>
+          </a:xfrm>
+          <a:prstGeom prst="rect">
+            <a:avLst/>
+          </a:prstGeom>
+        </p:spPr>
+        <p:txBody>
+          <a:bodyPr vert="horz" lIns="91440" tIns="45720" rIns="91440" bIns="45720" rtlCol="0"/>
+          <a:lstStyle/>
+          <a:p>
+            <a:pPr lvl="0"/>
+            <a:r>
+              <a:rPr lang="en-US"/>
+              <a:t>Click to edit Master text styles</a:t>
+            </a:r>
+          </a:p>
+          <a:p>
+            <a:pPr lvl="1"/>
+            <a:r>
+              <a:rPr lang="en-US"/>
+              <a:t>Second level</a:t>
+            </a:r>
+          </a:p>
+          <a:p>
+            <a:pPr lvl="2"/>
+            <a:r>
+              <a:rPr lang="en-US"/>
+              <a:t>Third level</a:t>
+            </a:r>
+          </a:p>
+          <a:p>
+            <a:pPr lvl="3"/>
+            <a:r>
+              <a:rPr lang="en-US"/>
+              <a:t>Fourth level</a:t>
+            </a:r>
+          </a:p>
+          <a:p>
+            <a:pPr lvl="4"/>
+            <a:r>
+              <a:rPr lang="en-US"/>
+              <a:t>Fifth level</a:t>
+            </a:r>
+            <a:endParaRPr lang="en-IE"/>
+          </a:p>
+        </p:txBody>
+      </p:sp>
+      <p:sp>
+        <p:nvSpPr>
+          <p:cNvPr id="6" name="Footer Placeholder 5"/>
+          <p:cNvSpPr>
+            <a:spLocks noGrp="1"/>
+          </p:cNvSpPr>
+          <p:nvPr>
+            <p:ph type="ftr" sz="quarter" idx="4"/>
+          </p:nvPr>
+        </p:nvSpPr>
+        <p:spPr>
+          <a:xfrm>
+            <a:off x="0" y="8685213"/>
+            <a:ext cx="2971800" cy="458787"/>
+          </a:xfrm>
+          <a:prstGeom prst="rect">
+            <a:avLst/>
+          </a:prstGeom>
+        </p:spPr>
+        <p:txBody>
+          <a:bodyPr vert="horz" lIns="91440" tIns="45720" rIns="91440" bIns="45720" rtlCol="0" anchor="b"/>
+          <a:lstStyle>
+            <a:lvl1pPr algn="l">
+              <a:defRPr sz="1200"/>
+            </a:lvl1pPr>
+          </a:lstStyle>
+          <a:p>
+            <a:endParaRPr lang="en-IE"/>
+          </a:p>
+        </p:txBody>
+      </p:sp>
+      <p:sp>
+        <p:nvSpPr>
+          <p:cNvPr id="7" name="Slide Number Placeholder 6"/>
+          <p:cNvSpPr>
+            <a:spLocks noGrp="1"/>
+          </p:cNvSpPr>
+          <p:nvPr>
+            <p:ph type="sldNum" sz="quarter" idx="5"/>
+          </p:nvPr>
+        </p:nvSpPr>
+        <p:spPr>
+          <a:xfrm>
+            <a:off x="3884613" y="8685213"/>
+            <a:ext cx="2971800" cy="458787"/>
+          </a:xfrm>
+          <a:prstGeom prst="rect">
+            <a:avLst/>
+          </a:prstGeom>
+        </p:spPr>
+        <p:txBody>
+          <a:bodyPr vert="horz" lIns="91440" tIns="45720" rIns="91440" bIns="45720" rtlCol="0" anchor="b"/>
+          <a:lstStyle>
+            <a:lvl1pPr algn="r">
+              <a:defRPr sz="1200"/>
+            </a:lvl1pPr>
+          </a:lstStyle>
+          <a:p>
+            <a:fld id="{26CB4DB4-538F-4B4C-B96A-70F493278ACB}" type="slidenum">
+              <a:rPr lang="en-IE" smtClean="0"/>
+              <a:t>‹#›</a:t>
+            </a:fld>
+            <a:endParaRPr lang="en-IE"/>
+          </a:p>
+        </p:txBody>
+      </p:sp>
+    </p:spTree>
+    <p:extLst>
+      <p:ext uri="{BB962C8B-B14F-4D97-AF65-F5344CB8AC3E}">
+        <p14:creationId xmlns:p14="http://schemas.microsoft.com/office/powerpoint/2010/main" val="3482072007"/>
+      </p:ext>
+    </p:extLst>
+  </p:cSld>
+  <p:clrMap bg1="lt1" tx1="dk1" bg2="lt2" tx2="dk2" accent1="accent1" accent2="accent2" accent3="accent3" accent4="accent4" accent5="accent5" accent6="accent6" hlink="hlink" folHlink="folHlink"/>
+  <p:notesStyle>
+    <a:lvl1pPr marL="0" algn="l" defTabSz="914400" rtl="0" eaLnBrk="1" latinLnBrk="0" hangingPunct="1">
+      <a:defRPr sz="1200" kern="1200">
+        <a:solidFill>
+          <a:schemeClr val="tx1"/>
+        </a:solidFill>
+        <a:latin typeface="+mn-lt"/>
+        <a:ea typeface="+mn-ea"/>
+        <a:cs typeface="+mn-cs"/>
+      </a:defRPr>
+    </a:lvl1pPr>
+    <a:lvl2pPr marL="457200" algn="l" defTabSz="914400" rtl="0" eaLnBrk="1" latinLnBrk="0" hangingPunct="1">
+      <a:defRPr sz="1200" kern="1200">
+        <a:solidFill>
+          <a:schemeClr val="tx1"/>
+        </a:solidFill>
+        <a:latin typeface="+mn-lt"/>
+        <a:ea typeface="+mn-ea"/>
+        <a:cs typeface="+mn-cs"/>
+      </a:defRPr>
+    </a:lvl2pPr>
+    <a:lvl3pPr marL="914400" algn="l" defTabSz="914400" rtl="0" eaLnBrk="1" latinLnBrk="0" hangingPunct="1">
+      <a:defRPr sz="1200" kern="1200">
+        <a:solidFill>
+          <a:schemeClr val="tx1"/>
+        </a:solidFill>
+        <a:latin typeface="+mn-lt"/>
+        <a:ea typeface="+mn-ea"/>
+        <a:cs typeface="+mn-cs"/>
+      </a:defRPr>
+    </a:lvl3pPr>
+    <a:lvl4pPr marL="1371600" algn="l" defTabSz="914400" rtl="0" eaLnBrk="1" latinLnBrk="0" hangingPunct="1">
+      <a:defRPr sz="1200" kern="1200">
+        <a:solidFill>
+          <a:schemeClr val="tx1"/>
+        </a:solidFill>
+        <a:latin typeface="+mn-lt"/>
+        <a:ea typeface="+mn-ea"/>
+        <a:cs typeface="+mn-cs"/>
+      </a:defRPr>
+    </a:lvl4pPr>
+    <a:lvl5pPr marL="1828800" algn="l" defTabSz="914400" rtl="0" eaLnBrk="1" latinLnBrk="0" hangingPunct="1">
+      <a:defRPr sz="1200" kern="1200">
+        <a:solidFill>
+          <a:schemeClr val="tx1"/>
+        </a:solidFill>
+        <a:latin typeface="+mn-lt"/>
+        <a:ea typeface="+mn-ea"/>
+        <a:cs typeface="+mn-cs"/>
+      </a:defRPr>
+    </a:lvl5pPr>
+    <a:lvl6pPr marL="2286000" algn="l" defTabSz="914400" rtl="0" eaLnBrk="1" latinLnBrk="0" hangingPunct="1">
+      <a:defRPr sz="1200" kern="1200">
+        <a:solidFill>
+          <a:schemeClr val="tx1"/>
+        </a:solidFill>
+        <a:latin typeface="+mn-lt"/>
+        <a:ea typeface="+mn-ea"/>
+        <a:cs typeface="+mn-cs"/>
+      </a:defRPr>
+    </a:lvl6pPr>
+    <a:lvl7pPr marL="2743200" algn="l" defTabSz="914400" rtl="0" eaLnBrk="1" latinLnBrk="0" hangingPunct="1">
+      <a:defRPr sz="1200" kern="1200">
+        <a:solidFill>
+          <a:schemeClr val="tx1"/>
+        </a:solidFill>
+        <a:latin typeface="+mn-lt"/>
+        <a:ea typeface="+mn-ea"/>
+        <a:cs typeface="+mn-cs"/>
+      </a:defRPr>
+    </a:lvl7pPr>
+    <a:lvl8pPr marL="3200400" algn="l" defTabSz="914400" rtl="0" eaLnBrk="1" latinLnBrk="0" hangingPunct="1">
+      <a:defRPr sz="1200" kern="1200">
+        <a:solidFill>
+          <a:schemeClr val="tx1"/>
+        </a:solidFill>
+        <a:latin typeface="+mn-lt"/>
+        <a:ea typeface="+mn-ea"/>
+        <a:cs typeface="+mn-cs"/>
+      </a:defRPr>
+    </a:lvl8pPr>
+    <a:lvl9pPr marL="3657600" algn="l" defTabSz="914400" rtl="0" eaLnBrk="1" latinLnBrk="0" hangingPunct="1">
+      <a:defRPr sz="1200" kern="1200">
+        <a:solidFill>
+          <a:schemeClr val="tx1"/>
+        </a:solidFill>
+        <a:latin typeface="+mn-lt"/>
+        <a:ea typeface="+mn-ea"/>
+        <a:cs typeface="+mn-cs"/>
+      </a:defRPr>
+    </a:lvl9pPr>
+  </p:notesStyle>
+</p:notesMaster>
+</file>
+
+<file path=ppt/notesSlides/notesSlide1.xml><?xml version="1.0" encoding="utf-8"?>
+<p:notes xmlns:a="http://schemas.openxmlformats.org/drawingml/2006/main" xmlns:r="http://schemas.openxmlformats.org/officeDocument/2006/relationships" xmlns:p="http://schemas.openxmlformats.org/presentationml/2006/main">
+  <p:cSld>
+    <p:spTree>
+      <p:nvGrpSpPr>
+        <p:cNvPr id="1" name=""/>
+        <p:cNvGrpSpPr/>
+        <p:nvPr/>
+      </p:nvGrpSpPr>
+      <p:grpSpPr>
+        <a:xfrm>
+          <a:off x="0" y="0"/>
+          <a:ext cx="0" cy="0"/>
+          <a:chOff x="0" y="0"/>
+          <a:chExt cx="0" cy="0"/>
+        </a:xfrm>
+      </p:grpSpPr>
+      <p:sp>
+        <p:nvSpPr>
+          <p:cNvPr id="2" name="Slide Image Placeholder 1"/>
+          <p:cNvSpPr>
+            <a:spLocks noGrp="1" noRot="1" noChangeAspect="1"/>
+          </p:cNvSpPr>
+          <p:nvPr>
+            <p:ph type="sldImg"/>
+          </p:nvPr>
+        </p:nvSpPr>
+        <p:spPr/>
+      </p:sp>
+      <p:sp>
+        <p:nvSpPr>
+          <p:cNvPr id="3" name="Notes Placeholder 2"/>
+          <p:cNvSpPr>
+            <a:spLocks noGrp="1"/>
+          </p:cNvSpPr>
+          <p:nvPr>
+            <p:ph type="body" idx="1"/>
+          </p:nvPr>
+        </p:nvSpPr>
+        <p:spPr/>
+        <p:txBody>
+          <a:bodyPr/>
+          <a:lstStyle/>
+          <a:p>
+            <a:endParaRPr lang="en-IE" dirty="0"/>
+          </a:p>
+        </p:txBody>
+      </p:sp>
+      <p:sp>
+        <p:nvSpPr>
+          <p:cNvPr id="4" name="Slide Number Placeholder 3"/>
+          <p:cNvSpPr>
+            <a:spLocks noGrp="1"/>
+          </p:cNvSpPr>
+          <p:nvPr>
+            <p:ph type="sldNum" sz="quarter" idx="5"/>
+          </p:nvPr>
+        </p:nvSpPr>
+        <p:spPr/>
+        <p:txBody>
+          <a:bodyPr/>
+          <a:lstStyle/>
+          <a:p>
+            <a:fld id="{26CB4DB4-538F-4B4C-B96A-70F493278ACB}" type="slidenum">
+              <a:rPr lang="en-IE" smtClean="0"/>
+              <a:t>1</a:t>
+            </a:fld>
+            <a:endParaRPr lang="en-IE"/>
+          </a:p>
+        </p:txBody>
+      </p:sp>
+    </p:spTree>
+    <p:extLst>
+      <p:ext uri="{BB962C8B-B14F-4D97-AF65-F5344CB8AC3E}">
+        <p14:creationId xmlns:p14="http://schemas.microsoft.com/office/powerpoint/2010/main" val="2777842728"/>
+      </p:ext>
+    </p:extLst>
+  </p:cSld>
+  <p:clrMapOvr>
+    <a:masterClrMapping/>
+  </p:clrMapOvr>
+</p:notes>
 </file>
 
 <file path=ppt/slideLayouts/slideLayout1.xml><?xml version="1.0" encoding="utf-8"?>
@@ -834,7 +1280,7 @@
           <a:p>
             <a:fld id="{02AC24A9-CCB6-4F8D-B8DB-C2F3692CFA5A}" type="datetimeFigureOut">
               <a:rPr lang="en-US" smtClean="0"/>
-              <a:t>10/22/2024</a:t>
+              <a:t>10/25/2024</a:t>
             </a:fld>
             <a:endParaRPr lang="en-US" dirty="0"/>
           </a:p>
@@ -1085,7 +1531,7 @@
           <a:p>
             <a:fld id="{02AC24A9-CCB6-4F8D-B8DB-C2F3692CFA5A}" type="datetimeFigureOut">
               <a:rPr lang="en-US" smtClean="0"/>
-              <a:t>10/22/2024</a:t>
+              <a:t>10/25/2024</a:t>
             </a:fld>
             <a:endParaRPr lang="en-US"/>
           </a:p>
@@ -1399,7 +1845,7 @@
           <a:p>
             <a:fld id="{02AC24A9-CCB6-4F8D-B8DB-C2F3692CFA5A}" type="datetimeFigureOut">
               <a:rPr lang="en-US" smtClean="0"/>
-              <a:t>10/22/2024</a:t>
+              <a:t>10/25/2024</a:t>
             </a:fld>
             <a:endParaRPr lang="en-US"/>
           </a:p>
@@ -1740,7 +2186,7 @@
           <a:p>
             <a:fld id="{02AC24A9-CCB6-4F8D-B8DB-C2F3692CFA5A}" type="datetimeFigureOut">
               <a:rPr lang="en-US" smtClean="0"/>
-              <a:t>10/22/2024</a:t>
+              <a:t>10/25/2024</a:t>
             </a:fld>
             <a:endParaRPr lang="en-US"/>
           </a:p>
@@ -2054,7 +2500,7 @@
           <a:p>
             <a:fld id="{02AC24A9-CCB6-4F8D-B8DB-C2F3692CFA5A}" type="datetimeFigureOut">
               <a:rPr lang="en-US" smtClean="0"/>
-              <a:t>10/22/2024</a:t>
+              <a:t>10/25/2024</a:t>
             </a:fld>
             <a:endParaRPr lang="en-US"/>
           </a:p>
@@ -2447,7 +2893,7 @@
           <a:p>
             <a:fld id="{02AC24A9-CCB6-4F8D-B8DB-C2F3692CFA5A}" type="datetimeFigureOut">
               <a:rPr lang="en-US" smtClean="0"/>
-              <a:t>10/22/2024</a:t>
+              <a:t>10/25/2024</a:t>
             </a:fld>
             <a:endParaRPr lang="en-US"/>
           </a:p>
@@ -2617,7 +3063,7 @@
           <a:p>
             <a:fld id="{02AC24A9-CCB6-4F8D-B8DB-C2F3692CFA5A}" type="datetimeFigureOut">
               <a:rPr lang="en-US" smtClean="0"/>
-              <a:t>10/22/2024</a:t>
+              <a:t>10/25/2024</a:t>
             </a:fld>
             <a:endParaRPr lang="en-US"/>
           </a:p>
@@ -2797,7 +3243,7 @@
           <a:p>
             <a:fld id="{02AC24A9-CCB6-4F8D-B8DB-C2F3692CFA5A}" type="datetimeFigureOut">
               <a:rPr lang="en-US" smtClean="0"/>
-              <a:t>10/22/2024</a:t>
+              <a:t>10/25/2024</a:t>
             </a:fld>
             <a:endParaRPr lang="en-US"/>
           </a:p>
@@ -2973,7 +3419,7 @@
           <a:p>
             <a:fld id="{02AC24A9-CCB6-4F8D-B8DB-C2F3692CFA5A}" type="datetimeFigureOut">
               <a:rPr lang="en-US" smtClean="0"/>
-              <a:t>10/22/2024</a:t>
+              <a:t>10/25/2024</a:t>
             </a:fld>
             <a:endParaRPr lang="en-US"/>
           </a:p>
@@ -3220,7 +3666,7 @@
           <a:p>
             <a:fld id="{02AC24A9-CCB6-4F8D-B8DB-C2F3692CFA5A}" type="datetimeFigureOut">
               <a:rPr lang="en-US" smtClean="0"/>
-              <a:t>10/22/2024</a:t>
+              <a:t>10/25/2024</a:t>
             </a:fld>
             <a:endParaRPr lang="en-US"/>
           </a:p>
@@ -3452,7 +3898,7 @@
           <a:p>
             <a:fld id="{02AC24A9-CCB6-4F8D-B8DB-C2F3692CFA5A}" type="datetimeFigureOut">
               <a:rPr lang="en-US" smtClean="0"/>
-              <a:t>10/22/2024</a:t>
+              <a:t>10/25/2024</a:t>
             </a:fld>
             <a:endParaRPr lang="en-US"/>
           </a:p>
@@ -3826,7 +4272,7 @@
           <a:p>
             <a:fld id="{02AC24A9-CCB6-4F8D-B8DB-C2F3692CFA5A}" type="datetimeFigureOut">
               <a:rPr lang="en-US" smtClean="0"/>
-              <a:t>10/22/2024</a:t>
+              <a:t>10/25/2024</a:t>
             </a:fld>
             <a:endParaRPr lang="en-US"/>
           </a:p>
@@ -3949,7 +4395,7 @@
           <a:p>
             <a:fld id="{02AC24A9-CCB6-4F8D-B8DB-C2F3692CFA5A}" type="datetimeFigureOut">
               <a:rPr lang="en-US" smtClean="0"/>
-              <a:t>10/22/2024</a:t>
+              <a:t>10/25/2024</a:t>
             </a:fld>
             <a:endParaRPr lang="en-US"/>
           </a:p>
@@ -4044,7 +4490,7 @@
           <a:p>
             <a:fld id="{02AC24A9-CCB6-4F8D-B8DB-C2F3692CFA5A}" type="datetimeFigureOut">
               <a:rPr lang="en-US" smtClean="0"/>
-              <a:t>10/22/2024</a:t>
+              <a:t>10/25/2024</a:t>
             </a:fld>
             <a:endParaRPr lang="en-US"/>
           </a:p>
@@ -4299,7 +4745,7 @@
           <a:p>
             <a:fld id="{02AC24A9-CCB6-4F8D-B8DB-C2F3692CFA5A}" type="datetimeFigureOut">
               <a:rPr lang="en-US" smtClean="0"/>
-              <a:t>10/22/2024</a:t>
+              <a:t>10/25/2024</a:t>
             </a:fld>
             <a:endParaRPr lang="en-US" dirty="0"/>
           </a:p>
@@ -4562,7 +5008,7 @@
           <a:p>
             <a:fld id="{02AC24A9-CCB6-4F8D-B8DB-C2F3692CFA5A}" type="datetimeFigureOut">
               <a:rPr lang="en-US" smtClean="0"/>
-              <a:t>10/22/2024</a:t>
+              <a:t>10/25/2024</a:t>
             </a:fld>
             <a:endParaRPr lang="en-US"/>
           </a:p>
@@ -5305,7 +5751,7 @@
           <a:p>
             <a:fld id="{02AC24A9-CCB6-4F8D-B8DB-C2F3692CFA5A}" type="datetimeFigureOut">
               <a:rPr lang="en-US" smtClean="0"/>
-              <a:t>10/22/2024</a:t>
+              <a:t>10/25/2024</a:t>
             </a:fld>
             <a:endParaRPr lang="en-US"/>
           </a:p>
@@ -5837,42 +6283,6 @@
           <a:chExt cx="0" cy="0"/>
         </a:xfrm>
       </p:grpSpPr>
-      <p:pic>
-        <p:nvPicPr>
-          <p:cNvPr id="44" name="Picture 43" descr="A person sitting in chairs and talking to a person&#10;&#10;Description automatically generated">
-            <a:extLst>
-              <a:ext uri="{FF2B5EF4-FFF2-40B4-BE49-F238E27FC236}">
-                <a16:creationId xmlns:a16="http://schemas.microsoft.com/office/drawing/2014/main" id="{088B4772-7A20-5FB9-A212-04A6F841B04A}"/>
-              </a:ext>
-            </a:extLst>
-          </p:cNvPr>
-          <p:cNvPicPr>
-            <a:picLocks noChangeAspect="1"/>
-          </p:cNvPicPr>
-          <p:nvPr/>
-        </p:nvPicPr>
-        <p:blipFill>
-          <a:blip r:embed="rId2">
-            <a:extLst>
-              <a:ext uri="{28A0092B-C50C-407E-A947-70E740481C1C}">
-                <a14:useLocalDpi xmlns:a14="http://schemas.microsoft.com/office/drawing/2010/main" val="0"/>
-              </a:ext>
-            </a:extLst>
-          </a:blip>
-          <a:stretch>
-            <a:fillRect/>
-          </a:stretch>
-        </p:blipFill>
-        <p:spPr>
-          <a:xfrm>
-            <a:off x="1341454" y="1529478"/>
-            <a:ext cx="7334250" cy="4191000"/>
-          </a:xfrm>
-          <a:prstGeom prst="rect">
-            <a:avLst/>
-          </a:prstGeom>
-        </p:spPr>
-      </p:pic>
       <p:sp>
         <p:nvSpPr>
           <p:cNvPr id="3" name="TextBox 2">
@@ -5887,8 +6297,8 @@
         </p:nvSpPr>
         <p:spPr>
           <a:xfrm>
-            <a:off x="192024" y="219456"/>
-            <a:ext cx="9633111" cy="1015663"/>
+            <a:off x="192025" y="219456"/>
+            <a:ext cx="9236164" cy="1015663"/>
           </a:xfrm>
           <a:prstGeom prst="rect">
             <a:avLst/>
@@ -5984,8 +6394,8 @@
         </p:blipFill>
         <p:spPr>
           <a:xfrm>
-            <a:off x="10048875" y="219456"/>
-            <a:ext cx="1951101" cy="1015663"/>
+            <a:off x="9657185" y="219456"/>
+            <a:ext cx="2342792" cy="1015663"/>
           </a:xfrm>
           <a:prstGeom prst="rect">
             <a:avLst/>
@@ -6011,8 +6421,8 @@
         </p:nvSpPr>
         <p:spPr>
           <a:xfrm>
-            <a:off x="3069336" y="1481328"/>
-            <a:ext cx="2624328" cy="2308324"/>
+            <a:off x="185717" y="3892845"/>
+            <a:ext cx="3487676" cy="2700000"/>
           </a:xfrm>
           <a:prstGeom prst="rect">
             <a:avLst/>
@@ -6032,61 +6442,93 @@
           <a:p>
             <a:pPr algn="ctr"/>
             <a:r>
-              <a:rPr lang="en-IE" b="1" dirty="0">
+              <a:rPr lang="en-IE" sz="1600" b="1" dirty="0">
                 <a:latin typeface="Times New Roman" panose="02020603050405020304" pitchFamily="18" charset="0"/>
                 <a:cs typeface="Times New Roman" panose="02020603050405020304" pitchFamily="18" charset="0"/>
               </a:rPr>
-              <a:t>Features</a:t>
+              <a:t>What are the Core features?</a:t>
             </a:r>
           </a:p>
           <a:p>
             <a:pPr algn="ctr"/>
-            <a:endParaRPr lang="en-IE" b="1" dirty="0">
+            <a:endParaRPr lang="en-IE" sz="1600" dirty="0">
               <a:latin typeface="Times New Roman" panose="02020603050405020304" pitchFamily="18" charset="0"/>
               <a:cs typeface="Times New Roman" panose="02020603050405020304" pitchFamily="18" charset="0"/>
             </a:endParaRPr>
           </a:p>
           <a:p>
-            <a:pPr algn="ctr"/>
-            <a:endParaRPr lang="en-IE" b="1" dirty="0">
-              <a:latin typeface="Times New Roman" panose="02020603050405020304" pitchFamily="18" charset="0"/>
-              <a:cs typeface="Times New Roman" panose="02020603050405020304" pitchFamily="18" charset="0"/>
-            </a:endParaRPr>
-          </a:p>
-          <a:p>
-            <a:pPr algn="ctr"/>
-            <a:endParaRPr lang="en-IE" b="1" dirty="0">
-              <a:latin typeface="Times New Roman" panose="02020603050405020304" pitchFamily="18" charset="0"/>
-              <a:cs typeface="Times New Roman" panose="02020603050405020304" pitchFamily="18" charset="0"/>
-            </a:endParaRPr>
-          </a:p>
-          <a:p>
-            <a:pPr algn="ctr"/>
-            <a:endParaRPr lang="en-IE" b="1" dirty="0">
-              <a:latin typeface="Times New Roman" panose="02020603050405020304" pitchFamily="18" charset="0"/>
-              <a:cs typeface="Times New Roman" panose="02020603050405020304" pitchFamily="18" charset="0"/>
-            </a:endParaRPr>
-          </a:p>
-          <a:p>
-            <a:pPr algn="ctr"/>
-            <a:endParaRPr lang="en-IE" b="1" dirty="0">
-              <a:latin typeface="Times New Roman" panose="02020603050405020304" pitchFamily="18" charset="0"/>
-              <a:cs typeface="Times New Roman" panose="02020603050405020304" pitchFamily="18" charset="0"/>
-            </a:endParaRPr>
-          </a:p>
-          <a:p>
-            <a:pPr algn="ctr"/>
-            <a:endParaRPr lang="en-IE" b="1" dirty="0">
-              <a:latin typeface="Times New Roman" panose="02020603050405020304" pitchFamily="18" charset="0"/>
-              <a:cs typeface="Times New Roman" panose="02020603050405020304" pitchFamily="18" charset="0"/>
-            </a:endParaRPr>
-          </a:p>
-          <a:p>
-            <a:pPr algn="ctr"/>
-            <a:endParaRPr lang="en-IE" b="1" dirty="0">
-              <a:latin typeface="Times New Roman" panose="02020603050405020304" pitchFamily="18" charset="0"/>
-              <a:cs typeface="Times New Roman" panose="02020603050405020304" pitchFamily="18" charset="0"/>
-            </a:endParaRPr>
+            <a:r>
+              <a:rPr lang="en-IE" sz="1200" dirty="0">
+                <a:latin typeface="Times New Roman" panose="02020603050405020304" pitchFamily="18" charset="0"/>
+                <a:cs typeface="Times New Roman" panose="02020603050405020304" pitchFamily="18" charset="0"/>
+              </a:rPr>
+              <a:t>This is a list of features that will be included in this project: </a:t>
+            </a:r>
+          </a:p>
+          <a:p>
+            <a:pPr marL="171450" indent="-171450">
+              <a:buFont typeface="Arial" panose="020B0604020202020204" pitchFamily="34" charset="0"/>
+              <a:buChar char="•"/>
+            </a:pPr>
+            <a:r>
+              <a:rPr lang="en-IE" sz="1200" dirty="0">
+                <a:latin typeface="Times New Roman" panose="02020603050405020304" pitchFamily="18" charset="0"/>
+                <a:cs typeface="Times New Roman" panose="02020603050405020304" pitchFamily="18" charset="0"/>
+              </a:rPr>
+              <a:t>Implementing Security</a:t>
+            </a:r>
+          </a:p>
+          <a:p>
+            <a:pPr marL="171450" indent="-171450">
+              <a:buFont typeface="Arial" panose="020B0604020202020204" pitchFamily="34" charset="0"/>
+              <a:buChar char="•"/>
+            </a:pPr>
+            <a:r>
+              <a:rPr lang="en-IE" sz="1200" dirty="0">
+                <a:latin typeface="Times New Roman" panose="02020603050405020304" pitchFamily="18" charset="0"/>
+                <a:cs typeface="Times New Roman" panose="02020603050405020304" pitchFamily="18" charset="0"/>
+              </a:rPr>
+              <a:t>Patient Profile</a:t>
+            </a:r>
+          </a:p>
+          <a:p>
+            <a:pPr marL="171450" indent="-171450">
+              <a:buFont typeface="Arial" panose="020B0604020202020204" pitchFamily="34" charset="0"/>
+              <a:buChar char="•"/>
+            </a:pPr>
+            <a:r>
+              <a:rPr lang="en-IE" sz="1200" dirty="0">
+                <a:latin typeface="Times New Roman" panose="02020603050405020304" pitchFamily="18" charset="0"/>
+                <a:cs typeface="Times New Roman" panose="02020603050405020304" pitchFamily="18" charset="0"/>
+              </a:rPr>
+              <a:t>Care Planer</a:t>
+            </a:r>
+          </a:p>
+          <a:p>
+            <a:pPr marL="171450" indent="-171450">
+              <a:buFont typeface="Arial" panose="020B0604020202020204" pitchFamily="34" charset="0"/>
+              <a:buChar char="•"/>
+            </a:pPr>
+            <a:r>
+              <a:rPr lang="en-IE" sz="1200" dirty="0">
+                <a:latin typeface="Times New Roman" panose="02020603050405020304" pitchFamily="18" charset="0"/>
+                <a:cs typeface="Times New Roman" panose="02020603050405020304" pitchFamily="18" charset="0"/>
+              </a:rPr>
+              <a:t>Medical Dashboard</a:t>
+            </a:r>
+          </a:p>
+          <a:p>
+            <a:pPr marL="171450" indent="-171450">
+              <a:buFont typeface="Arial" panose="020B0604020202020204" pitchFamily="34" charset="0"/>
+              <a:buChar char="•"/>
+            </a:pPr>
+            <a:r>
+              <a:rPr lang="en-IE" sz="1200" dirty="0">
+                <a:latin typeface="Times New Roman" panose="02020603050405020304" pitchFamily="18" charset="0"/>
+                <a:cs typeface="Times New Roman" panose="02020603050405020304" pitchFamily="18" charset="0"/>
+              </a:rPr>
+              <a:t>Roster</a:t>
+            </a:r>
           </a:p>
         </p:txBody>
       </p:sp>
@@ -6104,8 +6546,8 @@
         </p:nvSpPr>
         <p:spPr>
           <a:xfrm>
-            <a:off x="9375648" y="1481328"/>
-            <a:ext cx="2624328" cy="3139321"/>
+            <a:off x="9657184" y="1502154"/>
+            <a:ext cx="2342792" cy="1446550"/>
           </a:xfrm>
           <a:prstGeom prst="rect">
             <a:avLst/>
@@ -6125,7 +6567,7 @@
           <a:p>
             <a:pPr algn="ctr"/>
             <a:r>
-              <a:rPr lang="en-IE" b="1" dirty="0">
+              <a:rPr lang="en-IE" sz="1600" b="1" dirty="0">
                 <a:latin typeface="Times New Roman" panose="02020603050405020304" pitchFamily="18" charset="0"/>
                 <a:cs typeface="Times New Roman" panose="02020603050405020304" pitchFamily="18" charset="0"/>
               </a:rPr>
@@ -6134,73 +6576,58 @@
           </a:p>
           <a:p>
             <a:pPr algn="ctr"/>
-            <a:endParaRPr lang="en-IE" b="1" dirty="0">
+            <a:endParaRPr lang="en-IE" sz="1200" b="1" dirty="0">
               <a:latin typeface="Times New Roman" panose="02020603050405020304" pitchFamily="18" charset="0"/>
               <a:cs typeface="Times New Roman" panose="02020603050405020304" pitchFamily="18" charset="0"/>
             </a:endParaRPr>
           </a:p>
           <a:p>
-            <a:pPr algn="ctr"/>
-            <a:endParaRPr lang="en-IE" b="1" dirty="0">
-              <a:latin typeface="Times New Roman" panose="02020603050405020304" pitchFamily="18" charset="0"/>
-              <a:cs typeface="Times New Roman" panose="02020603050405020304" pitchFamily="18" charset="0"/>
-            </a:endParaRPr>
-          </a:p>
-          <a:p>
-            <a:pPr algn="ctr"/>
-            <a:endParaRPr lang="en-IE" b="1" dirty="0">
-              <a:latin typeface="Times New Roman" panose="02020603050405020304" pitchFamily="18" charset="0"/>
-              <a:cs typeface="Times New Roman" panose="02020603050405020304" pitchFamily="18" charset="0"/>
-            </a:endParaRPr>
-          </a:p>
-          <a:p>
-            <a:pPr algn="ctr"/>
-            <a:endParaRPr lang="en-IE" b="1" dirty="0">
-              <a:latin typeface="Times New Roman" panose="02020603050405020304" pitchFamily="18" charset="0"/>
-              <a:cs typeface="Times New Roman" panose="02020603050405020304" pitchFamily="18" charset="0"/>
-            </a:endParaRPr>
-          </a:p>
-          <a:p>
-            <a:pPr algn="ctr"/>
-            <a:endParaRPr lang="en-IE" b="1" dirty="0">
-              <a:latin typeface="Times New Roman" panose="02020603050405020304" pitchFamily="18" charset="0"/>
-              <a:cs typeface="Times New Roman" panose="02020603050405020304" pitchFamily="18" charset="0"/>
-            </a:endParaRPr>
-          </a:p>
-          <a:p>
-            <a:pPr algn="ctr"/>
-            <a:endParaRPr lang="en-IE" b="1" dirty="0">
-              <a:latin typeface="Times New Roman" panose="02020603050405020304" pitchFamily="18" charset="0"/>
-              <a:cs typeface="Times New Roman" panose="02020603050405020304" pitchFamily="18" charset="0"/>
-            </a:endParaRPr>
-          </a:p>
-          <a:p>
-            <a:pPr algn="ctr"/>
-            <a:endParaRPr lang="en-IE" b="1" dirty="0">
-              <a:latin typeface="Times New Roman" panose="02020603050405020304" pitchFamily="18" charset="0"/>
-              <a:cs typeface="Times New Roman" panose="02020603050405020304" pitchFamily="18" charset="0"/>
-            </a:endParaRPr>
-          </a:p>
-          <a:p>
-            <a:pPr algn="ctr"/>
-            <a:endParaRPr lang="en-IE" b="1" dirty="0">
-              <a:latin typeface="Times New Roman" panose="02020603050405020304" pitchFamily="18" charset="0"/>
-              <a:cs typeface="Times New Roman" panose="02020603050405020304" pitchFamily="18" charset="0"/>
-            </a:endParaRPr>
-          </a:p>
-          <a:p>
-            <a:pPr algn="ctr"/>
-            <a:endParaRPr lang="en-IE" b="1" dirty="0">
-              <a:latin typeface="Times New Roman" panose="02020603050405020304" pitchFamily="18" charset="0"/>
-              <a:cs typeface="Times New Roman" panose="02020603050405020304" pitchFamily="18" charset="0"/>
-            </a:endParaRPr>
-          </a:p>
-          <a:p>
-            <a:pPr algn="ctr"/>
-            <a:endParaRPr lang="en-IE" b="1" dirty="0">
-              <a:latin typeface="Times New Roman" panose="02020603050405020304" pitchFamily="18" charset="0"/>
-              <a:cs typeface="Times New Roman" panose="02020603050405020304" pitchFamily="18" charset="0"/>
-            </a:endParaRPr>
+            <a:r>
+              <a:rPr lang="en-IE" sz="1200" dirty="0">
+                <a:latin typeface="Times New Roman" panose="02020603050405020304" pitchFamily="18" charset="0"/>
+                <a:cs typeface="Times New Roman" panose="02020603050405020304" pitchFamily="18" charset="0"/>
+              </a:rPr>
+              <a:t>A few existing System during  I found during research include:</a:t>
+            </a:r>
+          </a:p>
+          <a:p>
+            <a:pPr marL="285750" indent="-285750">
+              <a:buFont typeface="Arial" panose="020B0604020202020204" pitchFamily="34" charset="0"/>
+              <a:buChar char="•"/>
+            </a:pPr>
+            <a:r>
+              <a:rPr lang="en-IE" sz="1200" b="1" dirty="0">
+                <a:latin typeface="Times New Roman" panose="02020603050405020304" pitchFamily="18" charset="0"/>
+                <a:cs typeface="Times New Roman" panose="02020603050405020304" pitchFamily="18" charset="0"/>
+              </a:rPr>
+              <a:t>Pass App</a:t>
+            </a:r>
+          </a:p>
+          <a:p>
+            <a:pPr marL="285750" indent="-285750">
+              <a:buFont typeface="Arial" panose="020B0604020202020204" pitchFamily="34" charset="0"/>
+              <a:buChar char="•"/>
+            </a:pPr>
+            <a:r>
+              <a:rPr lang="en-IE" sz="1200" b="1" dirty="0">
+                <a:latin typeface="Times New Roman" panose="02020603050405020304" pitchFamily="18" charset="0"/>
+                <a:cs typeface="Times New Roman" panose="02020603050405020304" pitchFamily="18" charset="0"/>
+              </a:rPr>
+              <a:t>Log my Care</a:t>
+            </a:r>
+          </a:p>
+          <a:p>
+            <a:pPr marL="285750" indent="-285750">
+              <a:buFont typeface="Arial" panose="020B0604020202020204" pitchFamily="34" charset="0"/>
+              <a:buChar char="•"/>
+            </a:pPr>
+            <a:r>
+              <a:rPr lang="en-IE" sz="1200" b="1" dirty="0">
+                <a:latin typeface="Times New Roman" panose="02020603050405020304" pitchFamily="18" charset="0"/>
+                <a:cs typeface="Times New Roman" panose="02020603050405020304" pitchFamily="18" charset="0"/>
+              </a:rPr>
+              <a:t>Nourish</a:t>
+            </a:r>
           </a:p>
         </p:txBody>
       </p:sp>
@@ -6218,8 +6645,8 @@
         </p:nvSpPr>
         <p:spPr>
           <a:xfrm>
-            <a:off x="192024" y="4035861"/>
-            <a:ext cx="2624328" cy="2585323"/>
+            <a:off x="6795112" y="1502154"/>
+            <a:ext cx="2624328" cy="2062103"/>
           </a:xfrm>
           <a:prstGeom prst="rect">
             <a:avLst/>
@@ -6239,77 +6666,67 @@
           <a:p>
             <a:pPr algn="ctr"/>
             <a:r>
-              <a:rPr lang="en-IE" b="1" dirty="0">
+              <a:rPr lang="en-IE" sz="1600" b="1" dirty="0">
                 <a:latin typeface="Times New Roman" panose="02020603050405020304" pitchFamily="18" charset="0"/>
                 <a:cs typeface="Times New Roman" panose="02020603050405020304" pitchFamily="18" charset="0"/>
               </a:rPr>
-              <a:t>Health Level 7 (HL7)</a:t>
-            </a:r>
-          </a:p>
-          <a:p>
-            <a:pPr algn="ctr"/>
-            <a:endParaRPr lang="en-IE" b="1" dirty="0">
+              <a:t>What is Health Level 7 (HL7)?</a:t>
+            </a:r>
+          </a:p>
+          <a:p>
+            <a:pPr algn="just"/>
+            <a:endParaRPr lang="en-IE" sz="1200" dirty="0">
               <a:latin typeface="Times New Roman" panose="02020603050405020304" pitchFamily="18" charset="0"/>
               <a:cs typeface="Times New Roman" panose="02020603050405020304" pitchFamily="18" charset="0"/>
             </a:endParaRPr>
           </a:p>
           <a:p>
-            <a:pPr algn="ctr"/>
-            <a:endParaRPr lang="en-IE" b="1" dirty="0">
-              <a:latin typeface="Times New Roman" panose="02020603050405020304" pitchFamily="18" charset="0"/>
-              <a:cs typeface="Times New Roman" panose="02020603050405020304" pitchFamily="18" charset="0"/>
-            </a:endParaRPr>
-          </a:p>
-          <a:p>
-            <a:pPr algn="ctr"/>
-            <a:endParaRPr lang="en-IE" b="1" dirty="0">
-              <a:latin typeface="Times New Roman" panose="02020603050405020304" pitchFamily="18" charset="0"/>
-              <a:cs typeface="Times New Roman" panose="02020603050405020304" pitchFamily="18" charset="0"/>
-            </a:endParaRPr>
-          </a:p>
-          <a:p>
-            <a:pPr algn="ctr"/>
-            <a:endParaRPr lang="en-IE" b="1" dirty="0">
-              <a:latin typeface="Times New Roman" panose="02020603050405020304" pitchFamily="18" charset="0"/>
-              <a:cs typeface="Times New Roman" panose="02020603050405020304" pitchFamily="18" charset="0"/>
-            </a:endParaRPr>
-          </a:p>
-          <a:p>
-            <a:pPr algn="ctr"/>
-            <a:endParaRPr lang="en-IE" b="1" dirty="0">
-              <a:latin typeface="Times New Roman" panose="02020603050405020304" pitchFamily="18" charset="0"/>
-              <a:cs typeface="Times New Roman" panose="02020603050405020304" pitchFamily="18" charset="0"/>
-            </a:endParaRPr>
-          </a:p>
-          <a:p>
-            <a:pPr algn="ctr"/>
-            <a:endParaRPr lang="en-IE" b="1" dirty="0">
-              <a:latin typeface="Times New Roman" panose="02020603050405020304" pitchFamily="18" charset="0"/>
-              <a:cs typeface="Times New Roman" panose="02020603050405020304" pitchFamily="18" charset="0"/>
-            </a:endParaRPr>
-          </a:p>
-          <a:p>
-            <a:pPr algn="ctr"/>
-            <a:endParaRPr lang="en-IE" b="1" dirty="0">
-              <a:latin typeface="Times New Roman" panose="02020603050405020304" pitchFamily="18" charset="0"/>
-              <a:cs typeface="Times New Roman" panose="02020603050405020304" pitchFamily="18" charset="0"/>
-            </a:endParaRPr>
-          </a:p>
-          <a:p>
-            <a:pPr algn="ctr"/>
-            <a:endParaRPr lang="en-IE" b="1" dirty="0">
-              <a:latin typeface="Times New Roman" panose="02020603050405020304" pitchFamily="18" charset="0"/>
-              <a:cs typeface="Times New Roman" panose="02020603050405020304" pitchFamily="18" charset="0"/>
-            </a:endParaRPr>
-          </a:p>
-        </p:txBody>
-      </p:sp>
-      <p:sp>
-        <p:nvSpPr>
-          <p:cNvPr id="39" name="TextBox 38">
+            <a:pPr marL="285750" indent="-285750">
+              <a:buFont typeface="Arial" panose="020B0604020202020204" pitchFamily="34" charset="0"/>
+              <a:buChar char="•"/>
+            </a:pPr>
+            <a:r>
+              <a:rPr lang="en-GB" sz="1200" dirty="0">
+                <a:latin typeface="Times New Roman" panose="02020603050405020304" pitchFamily="18" charset="0"/>
+                <a:cs typeface="Times New Roman" panose="02020603050405020304" pitchFamily="18" charset="0"/>
+              </a:rPr>
+              <a:t>Is framework for the exchange, integration, sharing and retrieval of health information.</a:t>
+            </a:r>
+          </a:p>
+          <a:p>
+            <a:pPr marL="285750" indent="-285750">
+              <a:buFont typeface="Arial" panose="020B0604020202020204" pitchFamily="34" charset="0"/>
+              <a:buChar char="•"/>
+            </a:pPr>
+            <a:r>
+              <a:rPr lang="en-GB" sz="1200" dirty="0">
+                <a:latin typeface="Times New Roman" panose="02020603050405020304" pitchFamily="18" charset="0"/>
+                <a:cs typeface="Times New Roman" panose="02020603050405020304" pitchFamily="18" charset="0"/>
+              </a:rPr>
+              <a:t>Most used standard globally.</a:t>
+            </a:r>
+          </a:p>
+          <a:p>
+            <a:pPr marL="285750" indent="-285750">
+              <a:buFont typeface="Arial" panose="020B0604020202020204" pitchFamily="34" charset="0"/>
+              <a:buChar char="•"/>
+            </a:pPr>
+            <a:r>
+              <a:rPr lang="en-GB" sz="1200" dirty="0">
+                <a:latin typeface="Times New Roman" panose="02020603050405020304" pitchFamily="18" charset="0"/>
+                <a:cs typeface="Times New Roman" panose="02020603050405020304" pitchFamily="18" charset="0"/>
+              </a:rPr>
+              <a:t>HL7 specifies several standards, guidelines and methodologies for health-related systems.</a:t>
+            </a:r>
+          </a:p>
+        </p:txBody>
+      </p:sp>
+      <p:sp>
+        <p:nvSpPr>
+          <p:cNvPr id="40" name="TextBox 39">
             <a:extLst>
               <a:ext uri="{FF2B5EF4-FFF2-40B4-BE49-F238E27FC236}">
-                <a16:creationId xmlns:a16="http://schemas.microsoft.com/office/drawing/2014/main" id="{975F1B74-E436-F44C-55AA-8883A0C42F89}"/>
+                <a16:creationId xmlns:a16="http://schemas.microsoft.com/office/drawing/2014/main" id="{519A9865-3DCF-E1CA-99CE-20ACE1A17063}"/>
               </a:ext>
             </a:extLst>
           </p:cNvPr>
@@ -6318,8 +6735,8 @@
         </p:nvSpPr>
         <p:spPr>
           <a:xfrm>
-            <a:off x="5956888" y="4032092"/>
-            <a:ext cx="2624328" cy="2585323"/>
+            <a:off x="3933040" y="1502153"/>
+            <a:ext cx="2624328" cy="1877437"/>
           </a:xfrm>
           <a:prstGeom prst="rect">
             <a:avLst/>
@@ -6339,77 +6756,67 @@
           <a:p>
             <a:pPr algn="ctr"/>
             <a:r>
-              <a:rPr lang="en-IE" b="1" dirty="0">
+              <a:rPr lang="en-IE" sz="1600" b="1" dirty="0">
                 <a:latin typeface="Times New Roman" panose="02020603050405020304" pitchFamily="18" charset="0"/>
                 <a:cs typeface="Times New Roman" panose="02020603050405020304" pitchFamily="18" charset="0"/>
               </a:rPr>
-              <a:t>Public Key</a:t>
+              <a:t>What is the project?</a:t>
             </a:r>
           </a:p>
           <a:p>
             <a:pPr algn="ctr"/>
-            <a:endParaRPr lang="en-IE" b="1" dirty="0">
+            <a:endParaRPr lang="en-IE" sz="1600" dirty="0">
               <a:latin typeface="Times New Roman" panose="02020603050405020304" pitchFamily="18" charset="0"/>
               <a:cs typeface="Times New Roman" panose="02020603050405020304" pitchFamily="18" charset="0"/>
             </a:endParaRPr>
           </a:p>
           <a:p>
-            <a:pPr algn="ctr"/>
-            <a:endParaRPr lang="en-IE" b="1" dirty="0">
-              <a:latin typeface="Times New Roman" panose="02020603050405020304" pitchFamily="18" charset="0"/>
-              <a:cs typeface="Times New Roman" panose="02020603050405020304" pitchFamily="18" charset="0"/>
-            </a:endParaRPr>
-          </a:p>
-          <a:p>
-            <a:pPr algn="ctr"/>
-            <a:endParaRPr lang="en-IE" b="1" dirty="0">
-              <a:latin typeface="Times New Roman" panose="02020603050405020304" pitchFamily="18" charset="0"/>
-              <a:cs typeface="Times New Roman" panose="02020603050405020304" pitchFamily="18" charset="0"/>
-            </a:endParaRPr>
-          </a:p>
-          <a:p>
-            <a:pPr algn="ctr"/>
-            <a:endParaRPr lang="en-IE" b="1" dirty="0">
-              <a:latin typeface="Times New Roman" panose="02020603050405020304" pitchFamily="18" charset="0"/>
-              <a:cs typeface="Times New Roman" panose="02020603050405020304" pitchFamily="18" charset="0"/>
-            </a:endParaRPr>
-          </a:p>
-          <a:p>
-            <a:pPr algn="ctr"/>
-            <a:endParaRPr lang="en-IE" b="1" dirty="0">
-              <a:latin typeface="Times New Roman" panose="02020603050405020304" pitchFamily="18" charset="0"/>
-              <a:cs typeface="Times New Roman" panose="02020603050405020304" pitchFamily="18" charset="0"/>
-            </a:endParaRPr>
-          </a:p>
-          <a:p>
-            <a:pPr algn="ctr"/>
-            <a:endParaRPr lang="en-IE" b="1" dirty="0">
-              <a:latin typeface="Times New Roman" panose="02020603050405020304" pitchFamily="18" charset="0"/>
-              <a:cs typeface="Times New Roman" panose="02020603050405020304" pitchFamily="18" charset="0"/>
-            </a:endParaRPr>
-          </a:p>
-          <a:p>
-            <a:pPr algn="ctr"/>
-            <a:endParaRPr lang="en-IE" b="1" dirty="0">
-              <a:latin typeface="Times New Roman" panose="02020603050405020304" pitchFamily="18" charset="0"/>
-              <a:cs typeface="Times New Roman" panose="02020603050405020304" pitchFamily="18" charset="0"/>
-            </a:endParaRPr>
-          </a:p>
-          <a:p>
-            <a:pPr algn="ctr"/>
-            <a:endParaRPr lang="en-IE" b="1" dirty="0">
-              <a:latin typeface="Times New Roman" panose="02020603050405020304" pitchFamily="18" charset="0"/>
-              <a:cs typeface="Times New Roman" panose="02020603050405020304" pitchFamily="18" charset="0"/>
-            </a:endParaRPr>
-          </a:p>
-        </p:txBody>
-      </p:sp>
-      <p:sp>
-        <p:nvSpPr>
-          <p:cNvPr id="40" name="TextBox 39">
+            <a:pPr marL="171450" indent="-171450">
+              <a:buFont typeface="Arial" panose="020B0604020202020204" pitchFamily="34" charset="0"/>
+              <a:buChar char="•"/>
+            </a:pPr>
+            <a:r>
+              <a:rPr lang="en-IE" sz="1200" dirty="0">
+                <a:latin typeface="Times New Roman" panose="02020603050405020304" pitchFamily="18" charset="0"/>
+                <a:cs typeface="Times New Roman" panose="02020603050405020304" pitchFamily="18" charset="0"/>
+              </a:rPr>
+              <a:t>It is a secure web application to safeguard and manage patient data in car centres. </a:t>
+            </a:r>
+          </a:p>
+          <a:p>
+            <a:pPr marL="171450" indent="-171450">
+              <a:buFont typeface="Arial" panose="020B0604020202020204" pitchFamily="34" charset="0"/>
+              <a:buChar char="•"/>
+            </a:pPr>
+            <a:r>
+              <a:rPr lang="en-IE" sz="1200" dirty="0">
+                <a:latin typeface="Times New Roman" panose="02020603050405020304" pitchFamily="18" charset="0"/>
+                <a:cs typeface="Times New Roman" panose="02020603050405020304" pitchFamily="18" charset="0"/>
+              </a:rPr>
+              <a:t>Digital documentation to streamline workflow.</a:t>
+            </a:r>
+          </a:p>
+          <a:p>
+            <a:pPr marL="171450" indent="-171450">
+              <a:buFont typeface="Arial" panose="020B0604020202020204" pitchFamily="34" charset="0"/>
+              <a:buChar char="•"/>
+            </a:pPr>
+            <a:r>
+              <a:rPr lang="en-IE" sz="1200" dirty="0">
+                <a:latin typeface="Times New Roman" panose="02020603050405020304" pitchFamily="18" charset="0"/>
+                <a:cs typeface="Times New Roman" panose="02020603050405020304" pitchFamily="18" charset="0"/>
+              </a:rPr>
+              <a:t>Application designed to cater Admin and Carer</a:t>
+            </a:r>
+          </a:p>
+        </p:txBody>
+      </p:sp>
+      <p:sp>
+        <p:nvSpPr>
+          <p:cNvPr id="41" name="TextBox 40">
             <a:extLst>
               <a:ext uri="{FF2B5EF4-FFF2-40B4-BE49-F238E27FC236}">
-                <a16:creationId xmlns:a16="http://schemas.microsoft.com/office/drawing/2014/main" id="{519A9865-3DCF-E1CA-99CE-20ACE1A17063}"/>
+                <a16:creationId xmlns:a16="http://schemas.microsoft.com/office/drawing/2014/main" id="{3C8557AB-05C8-B35C-4D81-9E48F2CD1848}"/>
               </a:ext>
             </a:extLst>
           </p:cNvPr>
@@ -6418,8 +6825,8 @@
         </p:nvSpPr>
         <p:spPr>
           <a:xfrm>
-            <a:off x="192024" y="1481328"/>
-            <a:ext cx="2624328" cy="2308324"/>
+            <a:off x="6804403" y="3831290"/>
+            <a:ext cx="2624328" cy="2772000"/>
           </a:xfrm>
           <a:prstGeom prst="rect">
             <a:avLst/>
@@ -6439,70 +6846,116 @@
           <a:p>
             <a:pPr algn="ctr"/>
             <a:r>
-              <a:rPr lang="en-IE" b="1" dirty="0">
+              <a:rPr lang="en-IE" sz="1600" b="1" dirty="0">
                 <a:latin typeface="Times New Roman" panose="02020603050405020304" pitchFamily="18" charset="0"/>
                 <a:cs typeface="Times New Roman" panose="02020603050405020304" pitchFamily="18" charset="0"/>
               </a:rPr>
-              <a:t>Introduction</a:t>
-            </a:r>
-          </a:p>
-          <a:p>
-            <a:pPr algn="ctr"/>
-            <a:endParaRPr lang="en-IE" b="1" dirty="0">
+              <a:t>What is Shared Key and Public Key? </a:t>
+            </a:r>
+          </a:p>
+          <a:p>
+            <a:endParaRPr lang="en-IE" sz="1200" dirty="0">
               <a:latin typeface="Times New Roman" panose="02020603050405020304" pitchFamily="18" charset="0"/>
               <a:cs typeface="Times New Roman" panose="02020603050405020304" pitchFamily="18" charset="0"/>
             </a:endParaRPr>
           </a:p>
           <a:p>
-            <a:pPr algn="ctr"/>
-            <a:endParaRPr lang="en-IE" b="1" dirty="0">
+            <a:pPr marL="285750" indent="-285750">
+              <a:buFont typeface="Arial" panose="020B0604020202020204" pitchFamily="34" charset="0"/>
+              <a:buChar char="•"/>
+            </a:pPr>
+            <a:r>
+              <a:rPr lang="en-IE" sz="1200" dirty="0">
+                <a:latin typeface="Times New Roman" panose="02020603050405020304" pitchFamily="18" charset="0"/>
+                <a:cs typeface="Times New Roman" panose="02020603050405020304" pitchFamily="18" charset="0"/>
+              </a:rPr>
+              <a:t>Shared key form of cryptography. </a:t>
+            </a:r>
+          </a:p>
+          <a:p>
+            <a:pPr marL="285750" indent="-285750">
+              <a:buFont typeface="Arial" panose="020B0604020202020204" pitchFamily="34" charset="0"/>
+              <a:buChar char="•"/>
+            </a:pPr>
+            <a:r>
+              <a:rPr lang="en-IE" sz="1200" dirty="0">
+                <a:latin typeface="Times New Roman" panose="02020603050405020304" pitchFamily="18" charset="0"/>
+                <a:cs typeface="Times New Roman" panose="02020603050405020304" pitchFamily="18" charset="0"/>
+              </a:rPr>
+              <a:t>Also known as Symmetric encryption.</a:t>
+            </a:r>
+          </a:p>
+          <a:p>
+            <a:pPr marL="285750" indent="-285750">
+              <a:buFont typeface="Arial" panose="020B0604020202020204" pitchFamily="34" charset="0"/>
+              <a:buChar char="•"/>
+            </a:pPr>
+            <a:r>
+              <a:rPr lang="en-IE" sz="1200" dirty="0">
+                <a:latin typeface="Times New Roman" panose="02020603050405020304" pitchFamily="18" charset="0"/>
+                <a:cs typeface="Times New Roman" panose="02020603050405020304" pitchFamily="18" charset="0"/>
+              </a:rPr>
+              <a:t>Method of encrypting data and decrypting data using one key.</a:t>
+            </a:r>
+          </a:p>
+          <a:p>
+            <a:pPr marL="285750" indent="-285750">
+              <a:buFont typeface="Arial" panose="020B0604020202020204" pitchFamily="34" charset="0"/>
+              <a:buChar char="•"/>
+            </a:pPr>
+            <a:r>
+              <a:rPr lang="en-IE" sz="1200" dirty="0">
+                <a:latin typeface="Times New Roman" panose="02020603050405020304" pitchFamily="18" charset="0"/>
+                <a:cs typeface="Times New Roman" panose="02020603050405020304" pitchFamily="18" charset="0"/>
+              </a:rPr>
+              <a:t>Public key form of cryptography.</a:t>
+            </a:r>
+          </a:p>
+          <a:p>
+            <a:pPr marL="285750" indent="-285750">
+              <a:buFont typeface="Arial" panose="020B0604020202020204" pitchFamily="34" charset="0"/>
+              <a:buChar char="•"/>
+            </a:pPr>
+            <a:r>
+              <a:rPr lang="en-IE" sz="1200" dirty="0">
+                <a:latin typeface="Times New Roman" panose="02020603050405020304" pitchFamily="18" charset="0"/>
+                <a:cs typeface="Times New Roman" panose="02020603050405020304" pitchFamily="18" charset="0"/>
+              </a:rPr>
+              <a:t>Also known a Asymmetric encryption.</a:t>
+            </a:r>
+          </a:p>
+          <a:p>
+            <a:pPr marL="285750" indent="-285750">
+              <a:buFont typeface="Arial" panose="020B0604020202020204" pitchFamily="34" charset="0"/>
+              <a:buChar char="•"/>
+            </a:pPr>
+            <a:r>
+              <a:rPr lang="en-IE" sz="1200" dirty="0">
+                <a:latin typeface="Times New Roman" panose="02020603050405020304" pitchFamily="18" charset="0"/>
+                <a:cs typeface="Times New Roman" panose="02020603050405020304" pitchFamily="18" charset="0"/>
+              </a:rPr>
+              <a:t>Method of encrypting and decrypting data using two keys</a:t>
+            </a:r>
+            <a:r>
+              <a:rPr lang="en-IE" sz="1200" b="1" dirty="0">
+                <a:latin typeface="Times New Roman" panose="02020603050405020304" pitchFamily="18" charset="0"/>
+                <a:cs typeface="Times New Roman" panose="02020603050405020304" pitchFamily="18" charset="0"/>
+              </a:rPr>
+              <a:t>.</a:t>
+            </a:r>
+            <a:endParaRPr lang="en-IE" sz="1600" b="1" dirty="0">
               <a:latin typeface="Times New Roman" panose="02020603050405020304" pitchFamily="18" charset="0"/>
               <a:cs typeface="Times New Roman" panose="02020603050405020304" pitchFamily="18" charset="0"/>
             </a:endParaRPr>
           </a:p>
-          <a:p>
-            <a:pPr algn="ctr"/>
-            <a:endParaRPr lang="en-IE" b="1" dirty="0">
-              <a:latin typeface="Times New Roman" panose="02020603050405020304" pitchFamily="18" charset="0"/>
-              <a:cs typeface="Times New Roman" panose="02020603050405020304" pitchFamily="18" charset="0"/>
-            </a:endParaRPr>
-          </a:p>
-          <a:p>
-            <a:pPr algn="ctr"/>
-            <a:endParaRPr lang="en-IE" b="1" dirty="0">
-              <a:latin typeface="Times New Roman" panose="02020603050405020304" pitchFamily="18" charset="0"/>
-              <a:cs typeface="Times New Roman" panose="02020603050405020304" pitchFamily="18" charset="0"/>
-            </a:endParaRPr>
-          </a:p>
-          <a:p>
-            <a:pPr algn="ctr"/>
-            <a:endParaRPr lang="en-IE" b="1" dirty="0">
-              <a:latin typeface="Times New Roman" panose="02020603050405020304" pitchFamily="18" charset="0"/>
-              <a:cs typeface="Times New Roman" panose="02020603050405020304" pitchFamily="18" charset="0"/>
-            </a:endParaRPr>
-          </a:p>
-          <a:p>
-            <a:pPr algn="ctr"/>
-            <a:endParaRPr lang="en-IE" b="1" dirty="0">
-              <a:latin typeface="Times New Roman" panose="02020603050405020304" pitchFamily="18" charset="0"/>
-              <a:cs typeface="Times New Roman" panose="02020603050405020304" pitchFamily="18" charset="0"/>
-            </a:endParaRPr>
-          </a:p>
-          <a:p>
-            <a:pPr algn="ctr"/>
-            <a:endParaRPr lang="en-IE" b="1" dirty="0">
-              <a:latin typeface="Times New Roman" panose="02020603050405020304" pitchFamily="18" charset="0"/>
-              <a:cs typeface="Times New Roman" panose="02020603050405020304" pitchFamily="18" charset="0"/>
-            </a:endParaRPr>
-          </a:p>
-        </p:txBody>
-      </p:sp>
-      <p:sp>
-        <p:nvSpPr>
-          <p:cNvPr id="41" name="TextBox 40">
+        </p:txBody>
+      </p:sp>
+      <p:sp>
+        <p:nvSpPr>
+          <p:cNvPr id="42" name="TextBox 41">
             <a:extLst>
               <a:ext uri="{FF2B5EF4-FFF2-40B4-BE49-F238E27FC236}">
-                <a16:creationId xmlns:a16="http://schemas.microsoft.com/office/drawing/2014/main" id="{3C8557AB-05C8-B35C-4D81-9E48F2CD1848}"/>
+                <a16:creationId xmlns:a16="http://schemas.microsoft.com/office/drawing/2014/main" id="{285B800A-7B4C-867D-8DDA-F2CB962F5D72}"/>
               </a:ext>
             </a:extLst>
           </p:cNvPr>
@@ -6511,8 +6964,8 @@
         </p:nvSpPr>
         <p:spPr>
           <a:xfrm>
-            <a:off x="3069336" y="4032092"/>
-            <a:ext cx="2624328" cy="2585323"/>
+            <a:off x="9657184" y="3246517"/>
+            <a:ext cx="2342792" cy="3340800"/>
           </a:xfrm>
           <a:prstGeom prst="rect">
             <a:avLst/>
@@ -6532,77 +6985,250 @@
           <a:p>
             <a:pPr algn="ctr"/>
             <a:r>
-              <a:rPr lang="en-IE" b="1" dirty="0">
+              <a:rPr lang="en-IE" sz="1600" b="1" dirty="0">
                 <a:latin typeface="Times New Roman" panose="02020603050405020304" pitchFamily="18" charset="0"/>
                 <a:cs typeface="Times New Roman" panose="02020603050405020304" pitchFamily="18" charset="0"/>
               </a:rPr>
-              <a:t>Shared Key</a:t>
-            </a:r>
-          </a:p>
-          <a:p>
-            <a:pPr algn="ctr"/>
-            <a:endParaRPr lang="en-IE" b="1" dirty="0">
+              <a:t>References</a:t>
+            </a:r>
+            <a:endParaRPr lang="en-IE" sz="1600" dirty="0">
               <a:latin typeface="Times New Roman" panose="02020603050405020304" pitchFamily="18" charset="0"/>
               <a:cs typeface="Times New Roman" panose="02020603050405020304" pitchFamily="18" charset="0"/>
             </a:endParaRPr>
           </a:p>
           <a:p>
-            <a:pPr algn="ctr"/>
-            <a:endParaRPr lang="en-IE" b="1" dirty="0">
+            <a:pPr marL="228600" indent="-228600">
+              <a:buFont typeface="+mj-lt"/>
+              <a:buAutoNum type="arabicPeriod"/>
+            </a:pPr>
+            <a:r>
+              <a:rPr lang="en-GB" sz="750" dirty="0">
+                <a:effectLst/>
+                <a:latin typeface="Times New Roman" panose="02020603050405020304" pitchFamily="18" charset="0"/>
+                <a:cs typeface="Times New Roman" panose="02020603050405020304" pitchFamily="18" charset="0"/>
+              </a:rPr>
+              <a:t>2024) </a:t>
+            </a:r>
+            <a:r>
+              <a:rPr lang="en-GB" sz="750" i="1" dirty="0">
+                <a:effectLst/>
+                <a:latin typeface="Times New Roman" panose="02020603050405020304" pitchFamily="18" charset="0"/>
+                <a:cs typeface="Times New Roman" panose="02020603050405020304" pitchFamily="18" charset="0"/>
+              </a:rPr>
+              <a:t>Elderly care vectors &amp; illustrations for free download | </a:t>
+            </a:r>
+            <a:r>
+              <a:rPr lang="en-GB" sz="750" i="1" dirty="0" err="1">
+                <a:effectLst/>
+                <a:latin typeface="Times New Roman" panose="02020603050405020304" pitchFamily="18" charset="0"/>
+                <a:cs typeface="Times New Roman" panose="02020603050405020304" pitchFamily="18" charset="0"/>
+              </a:rPr>
+              <a:t>Freepik</a:t>
+            </a:r>
+            <a:r>
+              <a:rPr lang="en-GB" sz="750" dirty="0">
+                <a:effectLst/>
+                <a:latin typeface="Times New Roman" panose="02020603050405020304" pitchFamily="18" charset="0"/>
+                <a:cs typeface="Times New Roman" panose="02020603050405020304" pitchFamily="18" charset="0"/>
+              </a:rPr>
+              <a:t>. Available at: </a:t>
+            </a:r>
+            <a:r>
+              <a:rPr lang="en-GB" sz="750" dirty="0">
+                <a:effectLst/>
+                <a:latin typeface="Times New Roman" panose="02020603050405020304" pitchFamily="18" charset="0"/>
+                <a:cs typeface="Times New Roman" panose="02020603050405020304" pitchFamily="18" charset="0"/>
+                <a:hlinkClick r:id="rId4"/>
+              </a:rPr>
+              <a:t>https://www.freepik.com/vectors/elderly-care </a:t>
+            </a:r>
+            <a:r>
+              <a:rPr lang="en-GB" sz="750" dirty="0">
+                <a:effectLst/>
+                <a:latin typeface="Times New Roman" panose="02020603050405020304" pitchFamily="18" charset="0"/>
+                <a:cs typeface="Times New Roman" panose="02020603050405020304" pitchFamily="18" charset="0"/>
+              </a:rPr>
+              <a:t>(Accessed: October 2024). </a:t>
+            </a:r>
+            <a:endParaRPr lang="en-GB" sz="750" dirty="0">
               <a:latin typeface="Times New Roman" panose="02020603050405020304" pitchFamily="18" charset="0"/>
               <a:cs typeface="Times New Roman" panose="02020603050405020304" pitchFamily="18" charset="0"/>
             </a:endParaRPr>
           </a:p>
           <a:p>
-            <a:pPr algn="ctr"/>
-            <a:endParaRPr lang="en-IE" b="1" dirty="0">
-              <a:latin typeface="Times New Roman" panose="02020603050405020304" pitchFamily="18" charset="0"/>
-              <a:cs typeface="Times New Roman" panose="02020603050405020304" pitchFamily="18" charset="0"/>
-            </a:endParaRPr>
-          </a:p>
-          <a:p>
-            <a:pPr algn="ctr"/>
-            <a:endParaRPr lang="en-IE" b="1" dirty="0">
-              <a:latin typeface="Times New Roman" panose="02020603050405020304" pitchFamily="18" charset="0"/>
-              <a:cs typeface="Times New Roman" panose="02020603050405020304" pitchFamily="18" charset="0"/>
-            </a:endParaRPr>
-          </a:p>
-          <a:p>
-            <a:pPr algn="ctr"/>
-            <a:endParaRPr lang="en-IE" b="1" dirty="0">
-              <a:latin typeface="Times New Roman" panose="02020603050405020304" pitchFamily="18" charset="0"/>
-              <a:cs typeface="Times New Roman" panose="02020603050405020304" pitchFamily="18" charset="0"/>
-            </a:endParaRPr>
-          </a:p>
-          <a:p>
-            <a:pPr algn="ctr"/>
-            <a:endParaRPr lang="en-IE" b="1" dirty="0">
-              <a:latin typeface="Times New Roman" panose="02020603050405020304" pitchFamily="18" charset="0"/>
-              <a:cs typeface="Times New Roman" panose="02020603050405020304" pitchFamily="18" charset="0"/>
-            </a:endParaRPr>
-          </a:p>
-          <a:p>
-            <a:pPr algn="ctr"/>
-            <a:endParaRPr lang="en-IE" b="1" dirty="0">
-              <a:latin typeface="Times New Roman" panose="02020603050405020304" pitchFamily="18" charset="0"/>
-              <a:cs typeface="Times New Roman" panose="02020603050405020304" pitchFamily="18" charset="0"/>
-            </a:endParaRPr>
-          </a:p>
-          <a:p>
-            <a:pPr algn="ctr"/>
-            <a:endParaRPr lang="en-IE" b="1" dirty="0">
-              <a:latin typeface="Times New Roman" panose="02020603050405020304" pitchFamily="18" charset="0"/>
-              <a:cs typeface="Times New Roman" panose="02020603050405020304" pitchFamily="18" charset="0"/>
-            </a:endParaRPr>
-          </a:p>
-        </p:txBody>
-      </p:sp>
-      <p:sp>
-        <p:nvSpPr>
-          <p:cNvPr id="42" name="TextBox 41">
+            <a:pPr marL="228600" indent="-228600">
+              <a:buFont typeface="+mj-lt"/>
+              <a:buAutoNum type="arabicPeriod"/>
+            </a:pPr>
+            <a:r>
+              <a:rPr lang="en-GB" sz="750" dirty="0">
+                <a:latin typeface="Times New Roman" panose="02020603050405020304" pitchFamily="18" charset="0"/>
+                <a:cs typeface="Times New Roman" panose="02020603050405020304" pitchFamily="18" charset="0"/>
+              </a:rPr>
+              <a:t>Health Level Seven International, 2024. Introduction to HL7 Standards. [Online]. Available at: </a:t>
+            </a:r>
+            <a:r>
+              <a:rPr lang="en-GB" sz="750" dirty="0">
+                <a:latin typeface="Times New Roman" panose="02020603050405020304" pitchFamily="18" charset="0"/>
+                <a:cs typeface="Times New Roman" panose="02020603050405020304" pitchFamily="18" charset="0"/>
+                <a:hlinkClick r:id="rId5"/>
+              </a:rPr>
+              <a:t>https://www.hl7.org/implement/standards/index.cfm?ref=nav</a:t>
+            </a:r>
+            <a:r>
+              <a:rPr lang="en-GB" sz="750" dirty="0">
+                <a:latin typeface="Times New Roman" panose="02020603050405020304" pitchFamily="18" charset="0"/>
+                <a:cs typeface="Times New Roman" panose="02020603050405020304" pitchFamily="18" charset="0"/>
+              </a:rPr>
+              <a:t> [Accessed October 2024].</a:t>
+            </a:r>
+          </a:p>
+          <a:p>
+            <a:pPr marL="228600" indent="-228600">
+              <a:buFont typeface="+mj-lt"/>
+              <a:buAutoNum type="arabicPeriod"/>
+            </a:pPr>
+            <a:r>
+              <a:rPr lang="en-GB" sz="750" dirty="0">
+                <a:latin typeface="Times New Roman" panose="02020603050405020304" pitchFamily="18" charset="0"/>
+                <a:cs typeface="Times New Roman" panose="02020603050405020304" pitchFamily="18" charset="0"/>
+              </a:rPr>
+              <a:t>ScienceDirect, 2017. Embedded security. [Online]. Available at: </a:t>
+            </a:r>
+            <a:r>
+              <a:rPr lang="en-GB" sz="750" dirty="0">
+                <a:latin typeface="Times New Roman" panose="02020603050405020304" pitchFamily="18" charset="0"/>
+                <a:cs typeface="Times New Roman" panose="02020603050405020304" pitchFamily="18" charset="0"/>
+                <a:hlinkClick r:id="rId6"/>
+              </a:rPr>
+              <a:t>https://www.sciencedirect.com/topics/computer-science/shared-key-encryption</a:t>
+            </a:r>
+            <a:r>
+              <a:rPr lang="en-GB" sz="750" dirty="0">
+                <a:latin typeface="Times New Roman" panose="02020603050405020304" pitchFamily="18" charset="0"/>
+                <a:cs typeface="Times New Roman" panose="02020603050405020304" pitchFamily="18" charset="0"/>
+              </a:rPr>
+              <a:t> [Accessed October 2024].</a:t>
+            </a:r>
+          </a:p>
+          <a:p>
+            <a:pPr marL="228600" indent="-228600">
+              <a:buFont typeface="+mj-lt"/>
+              <a:buAutoNum type="arabicPeriod"/>
+            </a:pPr>
+            <a:r>
+              <a:rPr lang="en-GB" sz="750" dirty="0">
+                <a:latin typeface="Times New Roman" panose="02020603050405020304" pitchFamily="18" charset="0"/>
+                <a:cs typeface="Times New Roman" panose="02020603050405020304" pitchFamily="18" charset="0"/>
+              </a:rPr>
+              <a:t>Augusto Vega, P. B. A. B., 2017. Rugged Embedded Systems. </a:t>
+            </a:r>
+            <a:r>
+              <a:rPr lang="en-GB" sz="750" dirty="0" err="1">
+                <a:latin typeface="Times New Roman" panose="02020603050405020304" pitchFamily="18" charset="0"/>
+                <a:cs typeface="Times New Roman" panose="02020603050405020304" pitchFamily="18" charset="0"/>
+              </a:rPr>
+              <a:t>s.l.:Morgan</a:t>
+            </a:r>
+            <a:r>
+              <a:rPr lang="en-GB" sz="750" dirty="0">
+                <a:latin typeface="Times New Roman" panose="02020603050405020304" pitchFamily="18" charset="0"/>
+                <a:cs typeface="Times New Roman" panose="02020603050405020304" pitchFamily="18" charset="0"/>
+              </a:rPr>
+              <a:t> Kaufmann.</a:t>
+            </a:r>
+          </a:p>
+          <a:p>
+            <a:pPr marL="228600" indent="-228600">
+              <a:buFont typeface="+mj-lt"/>
+              <a:buAutoNum type="arabicPeriod"/>
+            </a:pPr>
+            <a:r>
+              <a:rPr lang="en-GB" sz="750" dirty="0">
+                <a:latin typeface="Times New Roman" panose="02020603050405020304" pitchFamily="18" charset="0"/>
+                <a:cs typeface="Times New Roman" panose="02020603050405020304" pitchFamily="18" charset="0"/>
+              </a:rPr>
+              <a:t>Cryptography images – browse 869,371 stock photos, vectors, and video (2024) Adobe Stock. Available at: </a:t>
+            </a:r>
+            <a:r>
+              <a:rPr lang="en-GB" sz="750" dirty="0">
+                <a:latin typeface="Times New Roman" panose="02020603050405020304" pitchFamily="18" charset="0"/>
+                <a:cs typeface="Times New Roman" panose="02020603050405020304" pitchFamily="18" charset="0"/>
+                <a:hlinkClick r:id="rId7"/>
+              </a:rPr>
+              <a:t>https://stock.adobe.com/search?k=cryptography </a:t>
+            </a:r>
+            <a:r>
+              <a:rPr lang="en-GB" sz="750" dirty="0">
+                <a:latin typeface="Times New Roman" panose="02020603050405020304" pitchFamily="18" charset="0"/>
+                <a:cs typeface="Times New Roman" panose="02020603050405020304" pitchFamily="18" charset="0"/>
+              </a:rPr>
+              <a:t>(Accessed: October 2024). </a:t>
+            </a:r>
+          </a:p>
+          <a:p>
+            <a:pPr marL="228600" indent="-228600">
+              <a:buFont typeface="+mj-lt"/>
+              <a:buAutoNum type="arabicPeriod"/>
+            </a:pPr>
+            <a:r>
+              <a:rPr lang="en-GB" sz="750" dirty="0">
+                <a:effectLst/>
+                <a:latin typeface="Times New Roman" panose="02020603050405020304" pitchFamily="18" charset="0"/>
+                <a:cs typeface="Times New Roman" panose="02020603050405020304" pitchFamily="18" charset="0"/>
+              </a:rPr>
+              <a:t>(2024a) </a:t>
+            </a:r>
+            <a:r>
+              <a:rPr lang="en-GB" sz="750" i="1" dirty="0">
+                <a:effectLst/>
+                <a:latin typeface="Times New Roman" panose="02020603050405020304" pitchFamily="18" charset="0"/>
+                <a:cs typeface="Times New Roman" panose="02020603050405020304" pitchFamily="18" charset="0"/>
+              </a:rPr>
+              <a:t>Healthcare System Images - free download on </a:t>
+            </a:r>
+            <a:r>
+              <a:rPr lang="en-GB" sz="750" i="1" dirty="0" err="1">
+                <a:effectLst/>
+                <a:latin typeface="Times New Roman" panose="02020603050405020304" pitchFamily="18" charset="0"/>
+                <a:cs typeface="Times New Roman" panose="02020603050405020304" pitchFamily="18" charset="0"/>
+              </a:rPr>
+              <a:t>Freepik</a:t>
+            </a:r>
+            <a:r>
+              <a:rPr lang="en-GB" sz="750" dirty="0">
+                <a:effectLst/>
+                <a:latin typeface="Times New Roman" panose="02020603050405020304" pitchFamily="18" charset="0"/>
+                <a:cs typeface="Times New Roman" panose="02020603050405020304" pitchFamily="18" charset="0"/>
+              </a:rPr>
+              <a:t>. Available at: </a:t>
+            </a:r>
+            <a:r>
+              <a:rPr lang="en-GB" sz="750" dirty="0">
+                <a:effectLst/>
+                <a:latin typeface="Times New Roman" panose="02020603050405020304" pitchFamily="18" charset="0"/>
+                <a:cs typeface="Times New Roman" panose="02020603050405020304" pitchFamily="18" charset="0"/>
+                <a:hlinkClick r:id="rId8"/>
+              </a:rPr>
+              <a:t>https://www.freepik.com/free-photos-vectors/healthcare-system </a:t>
+            </a:r>
+            <a:r>
+              <a:rPr lang="en-GB" sz="750" dirty="0">
+                <a:effectLst/>
+                <a:latin typeface="Times New Roman" panose="02020603050405020304" pitchFamily="18" charset="0"/>
+                <a:cs typeface="Times New Roman" panose="02020603050405020304" pitchFamily="18" charset="0"/>
+              </a:rPr>
+              <a:t>(Accessed: October 2024).</a:t>
+            </a:r>
+          </a:p>
+        </p:txBody>
+      </p:sp>
+      <p:sp>
+        <p:nvSpPr>
+          <p:cNvPr id="7" name="TextBox 6">
             <a:extLst>
               <a:ext uri="{FF2B5EF4-FFF2-40B4-BE49-F238E27FC236}">
-                <a16:creationId xmlns:a16="http://schemas.microsoft.com/office/drawing/2014/main" id="{285B800A-7B4C-867D-8DDA-F2CB962F5D72}"/>
+                <a16:creationId xmlns:a16="http://schemas.microsoft.com/office/drawing/2014/main" id="{E9FB7A92-9D5A-15D4-1AD6-EE2EE6979059}"/>
               </a:ext>
             </a:extLst>
           </p:cNvPr>
@@ -6611,8 +7237,263 @@
         </p:nvSpPr>
         <p:spPr>
           <a:xfrm>
-            <a:off x="9375648" y="4863089"/>
-            <a:ext cx="2624328" cy="1754326"/>
+            <a:off x="1639812" y="3402927"/>
+            <a:ext cx="607695" cy="222885"/>
+          </a:xfrm>
+          <a:prstGeom prst="rect">
+            <a:avLst/>
+          </a:prstGeom>
+          <a:noFill/>
+        </p:spPr>
+        <p:txBody>
+          <a:bodyPr wrap="square" rtlCol="0">
+            <a:spAutoFit/>
+          </a:bodyPr>
+          <a:lstStyle/>
+          <a:p>
+            <a:r>
+              <a:rPr lang="en-IE" sz="800" dirty="0">
+                <a:latin typeface="Times New Roman" panose="02020603050405020304" pitchFamily="18" charset="0"/>
+                <a:cs typeface="Times New Roman" panose="02020603050405020304" pitchFamily="18" charset="0"/>
+              </a:rPr>
+              <a:t>Figure [1] </a:t>
+            </a:r>
+          </a:p>
+        </p:txBody>
+      </p:sp>
+      <p:pic>
+        <p:nvPicPr>
+          <p:cNvPr id="1032" name="Picture 8" descr="Caring Young Person Taking Care of Elderly Woman">
+            <a:extLst>
+              <a:ext uri="{FF2B5EF4-FFF2-40B4-BE49-F238E27FC236}">
+                <a16:creationId xmlns:a16="http://schemas.microsoft.com/office/drawing/2014/main" id="{8374B74D-976C-0972-E3F4-915FFA9D10E0}"/>
+              </a:ext>
+            </a:extLst>
+          </p:cNvPr>
+          <p:cNvPicPr>
+            <a:picLocks noChangeAspect="1" noChangeArrowheads="1"/>
+          </p:cNvPicPr>
+          <p:nvPr/>
+        </p:nvPicPr>
+        <p:blipFill>
+          <a:blip r:embed="rId9">
+            <a:extLst>
+              <a:ext uri="{28A0092B-C50C-407E-A947-70E740481C1C}">
+                <a14:useLocalDpi xmlns:a14="http://schemas.microsoft.com/office/drawing/2010/main" val="0"/>
+              </a:ext>
+            </a:extLst>
+          </a:blip>
+          <a:srcRect/>
+          <a:stretch>
+            <a:fillRect/>
+          </a:stretch>
+        </p:blipFill>
+        <p:spPr bwMode="auto">
+          <a:xfrm>
+            <a:off x="192023" y="1485752"/>
+            <a:ext cx="3503274" cy="1846658"/>
+          </a:xfrm>
+          <a:prstGeom prst="rect">
+            <a:avLst/>
+          </a:prstGeom>
+          <a:noFill/>
+          <a:extLst>
+            <a:ext uri="{909E8E84-426E-40DD-AFC4-6F175D3DCCD1}">
+              <a14:hiddenFill xmlns:a14="http://schemas.microsoft.com/office/drawing/2010/main">
+                <a:solidFill>
+                  <a:srgbClr val="FFFFFF"/>
+                </a:solidFill>
+              </a14:hiddenFill>
+            </a:ext>
+          </a:extLst>
+        </p:spPr>
+      </p:pic>
+      <p:pic>
+        <p:nvPicPr>
+          <p:cNvPr id="1036" name="Picture 12" descr="Cryptography words tag cloud blue text encrytion cryptology code">
+            <a:extLst>
+              <a:ext uri="{FF2B5EF4-FFF2-40B4-BE49-F238E27FC236}">
+                <a16:creationId xmlns:a16="http://schemas.microsoft.com/office/drawing/2014/main" id="{D8681C00-68DF-665D-C68E-8E606487573A}"/>
+              </a:ext>
+            </a:extLst>
+          </p:cNvPr>
+          <p:cNvPicPr>
+            <a:picLocks noChangeAspect="1" noChangeArrowheads="1"/>
+          </p:cNvPicPr>
+          <p:nvPr/>
+        </p:nvPicPr>
+        <p:blipFill>
+          <a:blip r:embed="rId10">
+            <a:extLst>
+              <a:ext uri="{28A0092B-C50C-407E-A947-70E740481C1C}">
+                <a14:useLocalDpi xmlns:a14="http://schemas.microsoft.com/office/drawing/2010/main" val="0"/>
+              </a:ext>
+            </a:extLst>
+          </a:blip>
+          <a:srcRect/>
+          <a:stretch>
+            <a:fillRect/>
+          </a:stretch>
+        </p:blipFill>
+        <p:spPr bwMode="auto">
+          <a:xfrm>
+            <a:off x="3933740" y="3530605"/>
+            <a:ext cx="2617321" cy="1006325"/>
+          </a:xfrm>
+          <a:prstGeom prst="rect">
+            <a:avLst/>
+          </a:prstGeom>
+          <a:noFill/>
+          <a:extLst>
+            <a:ext uri="{909E8E84-426E-40DD-AFC4-6F175D3DCCD1}">
+              <a14:hiddenFill xmlns:a14="http://schemas.microsoft.com/office/drawing/2010/main">
+                <a:solidFill>
+                  <a:srgbClr val="FFFFFF"/>
+                </a:solidFill>
+              </a14:hiddenFill>
+            </a:ext>
+          </a:extLst>
+        </p:spPr>
+      </p:pic>
+      <p:sp>
+        <p:nvSpPr>
+          <p:cNvPr id="8" name="TextBox 7">
+            <a:extLst>
+              <a:ext uri="{FF2B5EF4-FFF2-40B4-BE49-F238E27FC236}">
+                <a16:creationId xmlns:a16="http://schemas.microsoft.com/office/drawing/2014/main" id="{74E30280-E688-6F56-962A-BC0EBEFC0CEC}"/>
+              </a:ext>
+            </a:extLst>
+          </p:cNvPr>
+          <p:cNvSpPr txBox="1"/>
+          <p:nvPr/>
+        </p:nvSpPr>
+        <p:spPr>
+          <a:xfrm>
+            <a:off x="4919103" y="4534199"/>
+            <a:ext cx="607695" cy="222885"/>
+          </a:xfrm>
+          <a:prstGeom prst="rect">
+            <a:avLst/>
+          </a:prstGeom>
+          <a:noFill/>
+        </p:spPr>
+        <p:txBody>
+          <a:bodyPr wrap="square" rtlCol="0">
+            <a:spAutoFit/>
+          </a:bodyPr>
+          <a:lstStyle/>
+          <a:p>
+            <a:r>
+              <a:rPr lang="en-IE" sz="800" dirty="0">
+                <a:latin typeface="Times New Roman" panose="02020603050405020304" pitchFamily="18" charset="0"/>
+                <a:cs typeface="Times New Roman" panose="02020603050405020304" pitchFamily="18" charset="0"/>
+              </a:rPr>
+              <a:t>Figure [5] </a:t>
+            </a:r>
+          </a:p>
+        </p:txBody>
+      </p:sp>
+      <p:pic>
+        <p:nvPicPr>
+          <p:cNvPr id="1038" name="Picture 14" descr="Photo comprehensive virtual medical consultation image highlighting telemedicine compliance for healthcare professionals">
+            <a:extLst>
+              <a:ext uri="{FF2B5EF4-FFF2-40B4-BE49-F238E27FC236}">
+                <a16:creationId xmlns:a16="http://schemas.microsoft.com/office/drawing/2014/main" id="{CAABBB7A-87E0-DFCF-E4AF-32F51667C101}"/>
+              </a:ext>
+            </a:extLst>
+          </p:cNvPr>
+          <p:cNvPicPr>
+            <a:picLocks noChangeAspect="1" noChangeArrowheads="1"/>
+          </p:cNvPicPr>
+          <p:nvPr/>
+        </p:nvPicPr>
+        <p:blipFill>
+          <a:blip r:embed="rId11">
+            <a:extLst>
+              <a:ext uri="{28A0092B-C50C-407E-A947-70E740481C1C}">
+                <a14:useLocalDpi xmlns:a14="http://schemas.microsoft.com/office/drawing/2010/main" val="0"/>
+              </a:ext>
+            </a:extLst>
+          </a:blip>
+          <a:srcRect/>
+          <a:stretch>
+            <a:fillRect/>
+          </a:stretch>
+        </p:blipFill>
+        <p:spPr bwMode="auto">
+          <a:xfrm>
+            <a:off x="2087173" y="4983810"/>
+            <a:ext cx="1352192" cy="1006327"/>
+          </a:xfrm>
+          <a:prstGeom prst="rect">
+            <a:avLst/>
+          </a:prstGeom>
+          <a:noFill/>
+          <a:extLst>
+            <a:ext uri="{909E8E84-426E-40DD-AFC4-6F175D3DCCD1}">
+              <a14:hiddenFill xmlns:a14="http://schemas.microsoft.com/office/drawing/2010/main">
+                <a:solidFill>
+                  <a:srgbClr val="FFFFFF"/>
+                </a:solidFill>
+              </a14:hiddenFill>
+            </a:ext>
+          </a:extLst>
+        </p:spPr>
+      </p:pic>
+      <p:sp>
+        <p:nvSpPr>
+          <p:cNvPr id="9" name="TextBox 8">
+            <a:extLst>
+              <a:ext uri="{FF2B5EF4-FFF2-40B4-BE49-F238E27FC236}">
+                <a16:creationId xmlns:a16="http://schemas.microsoft.com/office/drawing/2014/main" id="{68B0D19A-8B2F-BCA4-CCEF-243DC4826D6B}"/>
+              </a:ext>
+            </a:extLst>
+          </p:cNvPr>
+          <p:cNvSpPr txBox="1"/>
+          <p:nvPr/>
+        </p:nvSpPr>
+        <p:spPr>
+          <a:xfrm>
+            <a:off x="2459421" y="6056477"/>
+            <a:ext cx="607695" cy="222885"/>
+          </a:xfrm>
+          <a:prstGeom prst="rect">
+            <a:avLst/>
+          </a:prstGeom>
+          <a:noFill/>
+        </p:spPr>
+        <p:txBody>
+          <a:bodyPr wrap="square" rtlCol="0">
+            <a:spAutoFit/>
+          </a:bodyPr>
+          <a:lstStyle/>
+          <a:p>
+            <a:r>
+              <a:rPr lang="en-IE" sz="800" dirty="0">
+                <a:latin typeface="Times New Roman" panose="02020603050405020304" pitchFamily="18" charset="0"/>
+                <a:cs typeface="Times New Roman" panose="02020603050405020304" pitchFamily="18" charset="0"/>
+              </a:rPr>
+              <a:t>Figure [6] </a:t>
+            </a:r>
+          </a:p>
+        </p:txBody>
+      </p:sp>
+      <p:sp>
+        <p:nvSpPr>
+          <p:cNvPr id="12" name="TextBox 11">
+            <a:extLst>
+              <a:ext uri="{FF2B5EF4-FFF2-40B4-BE49-F238E27FC236}">
+                <a16:creationId xmlns:a16="http://schemas.microsoft.com/office/drawing/2014/main" id="{4D61D219-278A-A9F2-B882-24C6B2891C47}"/>
+              </a:ext>
+            </a:extLst>
+          </p:cNvPr>
+          <p:cNvSpPr txBox="1"/>
+          <p:nvPr/>
+        </p:nvSpPr>
+        <p:spPr>
+          <a:xfrm>
+            <a:off x="3933740" y="4757084"/>
+            <a:ext cx="2624328" cy="1846659"/>
           </a:xfrm>
           <a:prstGeom prst="rect">
             <a:avLst/>
@@ -6632,44 +7513,112 @@
           <a:p>
             <a:pPr algn="ctr"/>
             <a:r>
-              <a:rPr lang="en-IE" b="1" dirty="0">
+              <a:rPr lang="en-IE" sz="1600" b="1" dirty="0">
                 <a:latin typeface="Times New Roman" panose="02020603050405020304" pitchFamily="18" charset="0"/>
                 <a:cs typeface="Times New Roman" panose="02020603050405020304" pitchFamily="18" charset="0"/>
               </a:rPr>
-              <a:t>References</a:t>
-            </a:r>
-          </a:p>
-          <a:p>
-            <a:pPr algn="ctr"/>
-            <a:endParaRPr lang="en-IE" b="1" dirty="0">
+              <a:t>Technologies</a:t>
+            </a:r>
+          </a:p>
+          <a:p>
+            <a:endParaRPr lang="en-IE" sz="1000" dirty="0">
               <a:latin typeface="Times New Roman" panose="02020603050405020304" pitchFamily="18" charset="0"/>
               <a:cs typeface="Times New Roman" panose="02020603050405020304" pitchFamily="18" charset="0"/>
             </a:endParaRPr>
           </a:p>
           <a:p>
-            <a:pPr algn="ctr"/>
-            <a:endParaRPr lang="en-IE" b="1" dirty="0">
+            <a:r>
+              <a:rPr lang="en-IE" sz="1100" dirty="0">
+                <a:latin typeface="Times New Roman" panose="02020603050405020304" pitchFamily="18" charset="0"/>
+                <a:cs typeface="Times New Roman" panose="02020603050405020304" pitchFamily="18" charset="0"/>
+              </a:rPr>
+              <a:t>Here are some possible technologies that could be used for example:</a:t>
+            </a:r>
+          </a:p>
+          <a:p>
+            <a:pPr marL="171450" indent="-171450">
+              <a:buFont typeface="Arial" panose="020B0604020202020204" pitchFamily="34" charset="0"/>
+              <a:buChar char="•"/>
+            </a:pPr>
+            <a:r>
+              <a:rPr lang="en-IE" sz="1100" dirty="0">
+                <a:latin typeface="Times New Roman" panose="02020603050405020304" pitchFamily="18" charset="0"/>
+                <a:cs typeface="Times New Roman" panose="02020603050405020304" pitchFamily="18" charset="0"/>
+              </a:rPr>
+              <a:t>Python: </a:t>
+            </a:r>
+            <a:r>
+              <a:rPr lang="en-IE" sz="1100" dirty="0">
+                <a:latin typeface="Times New Roman" panose="02020603050405020304" pitchFamily="18" charset="0"/>
+                <a:cs typeface="Times New Roman" panose="02020603050405020304" pitchFamily="18" charset="0"/>
+                <a:hlinkClick r:id="rId12"/>
+              </a:rPr>
+              <a:t>https://www.python.org/</a:t>
+            </a:r>
+            <a:endParaRPr lang="en-IE" sz="1100" dirty="0">
               <a:latin typeface="Times New Roman" panose="02020603050405020304" pitchFamily="18" charset="0"/>
               <a:cs typeface="Times New Roman" panose="02020603050405020304" pitchFamily="18" charset="0"/>
             </a:endParaRPr>
           </a:p>
           <a:p>
-            <a:pPr algn="ctr"/>
-            <a:endParaRPr lang="en-IE" b="1" dirty="0">
+            <a:pPr marL="171450" indent="-171450">
+              <a:buFont typeface="Arial" panose="020B0604020202020204" pitchFamily="34" charset="0"/>
+              <a:buChar char="•"/>
+            </a:pPr>
+            <a:r>
+              <a:rPr lang="en-IE" sz="1100" dirty="0">
+                <a:latin typeface="Times New Roman" panose="02020603050405020304" pitchFamily="18" charset="0"/>
+                <a:cs typeface="Times New Roman" panose="02020603050405020304" pitchFamily="18" charset="0"/>
+              </a:rPr>
+              <a:t>Django: </a:t>
+            </a:r>
+            <a:r>
+              <a:rPr lang="en-IE" sz="1100" dirty="0">
+                <a:latin typeface="Times New Roman" panose="02020603050405020304" pitchFamily="18" charset="0"/>
+                <a:cs typeface="Times New Roman" panose="02020603050405020304" pitchFamily="18" charset="0"/>
+                <a:hlinkClick r:id="rId13"/>
+              </a:rPr>
+              <a:t>https://www.djangoproject.com/</a:t>
+            </a:r>
+            <a:endParaRPr lang="en-IE" sz="1100" dirty="0">
               <a:latin typeface="Times New Roman" panose="02020603050405020304" pitchFamily="18" charset="0"/>
               <a:cs typeface="Times New Roman" panose="02020603050405020304" pitchFamily="18" charset="0"/>
             </a:endParaRPr>
           </a:p>
           <a:p>
-            <a:pPr algn="ctr"/>
-            <a:endParaRPr lang="en-IE" b="1" dirty="0">
-              <a:latin typeface="Times New Roman" panose="02020603050405020304" pitchFamily="18" charset="0"/>
-              <a:cs typeface="Times New Roman" panose="02020603050405020304" pitchFamily="18" charset="0"/>
-            </a:endParaRPr>
-          </a:p>
-          <a:p>
-            <a:pPr algn="ctr"/>
-            <a:endParaRPr lang="en-IE" b="1" dirty="0">
+            <a:pPr marL="171450" indent="-171450">
+              <a:buFont typeface="Arial" panose="020B0604020202020204" pitchFamily="34" charset="0"/>
+              <a:buChar char="•"/>
+            </a:pPr>
+            <a:r>
+              <a:rPr lang="en-IE" sz="1100" dirty="0">
+                <a:latin typeface="Times New Roman" panose="02020603050405020304" pitchFamily="18" charset="0"/>
+                <a:cs typeface="Times New Roman" panose="02020603050405020304" pitchFamily="18" charset="0"/>
+              </a:rPr>
+              <a:t>MariaDB: https://mariadb.org/</a:t>
+            </a:r>
+          </a:p>
+          <a:p>
+            <a:pPr marL="171450" indent="-171450">
+              <a:buFont typeface="Arial" panose="020B0604020202020204" pitchFamily="34" charset="0"/>
+              <a:buChar char="•"/>
+            </a:pPr>
+            <a:r>
+              <a:rPr lang="en-IE" sz="1100" dirty="0">
+                <a:latin typeface="Times New Roman" panose="02020603050405020304" pitchFamily="18" charset="0"/>
+                <a:cs typeface="Times New Roman" panose="02020603050405020304" pitchFamily="18" charset="0"/>
+              </a:rPr>
+              <a:t>Cryptography lib: </a:t>
+            </a:r>
+            <a:r>
+              <a:rPr lang="en-IE" sz="1100" dirty="0">
+                <a:latin typeface="Times New Roman" panose="02020603050405020304" pitchFamily="18" charset="0"/>
+                <a:cs typeface="Times New Roman" panose="02020603050405020304" pitchFamily="18" charset="0"/>
+                <a:hlinkClick r:id="rId14"/>
+              </a:rPr>
+              <a:t>https://pypi.org/project/cryptography/ </a:t>
+            </a:r>
+            <a:endParaRPr lang="en-IE" sz="1100" dirty="0">
               <a:latin typeface="Times New Roman" panose="02020603050405020304" pitchFamily="18" charset="0"/>
               <a:cs typeface="Times New Roman" panose="02020603050405020304" pitchFamily="18" charset="0"/>
             </a:endParaRPr>
@@ -6692,7 +7641,7 @@
 <file path=ppt/theme/theme1.xml><?xml version="1.0" encoding="utf-8"?>
 <a:theme xmlns:a="http://schemas.openxmlformats.org/drawingml/2006/main" name="Facet">
   <a:themeElements>
-    <a:clrScheme name="Office">
+    <a:clrScheme name="Office 2013 - 2022">
       <a:dk1>
         <a:sysClr val="windowText" lastClr="000000"/>
       </a:dk1>
@@ -6700,34 +7649,34 @@
         <a:sysClr val="window" lastClr="FFFFFF"/>
       </a:lt1>
       <a:dk2>
-        <a:srgbClr val="0E2841"/>
+        <a:srgbClr val="44546A"/>
       </a:dk2>
       <a:lt2>
-        <a:srgbClr val="E8E8E8"/>
+        <a:srgbClr val="E7E6E6"/>
       </a:lt2>
       <a:accent1>
-        <a:srgbClr val="156082"/>
+        <a:srgbClr val="4472C4"/>
       </a:accent1>
       <a:accent2>
-        <a:srgbClr val="E97132"/>
+        <a:srgbClr val="ED7D31"/>
       </a:accent2>
       <a:accent3>
-        <a:srgbClr val="196B24"/>
+        <a:srgbClr val="A5A5A5"/>
       </a:accent3>
       <a:accent4>
-        <a:srgbClr val="0F9ED5"/>
+        <a:srgbClr val="FFC000"/>
       </a:accent4>
       <a:accent5>
-        <a:srgbClr val="A02B93"/>
+        <a:srgbClr val="5B9BD5"/>
       </a:accent5>
       <a:accent6>
-        <a:srgbClr val="4EA72E"/>
+        <a:srgbClr val="70AD47"/>
       </a:accent6>
       <a:hlink>
-        <a:srgbClr val="467886"/>
+        <a:srgbClr val="0563C1"/>
       </a:hlink>
       <a:folHlink>
-        <a:srgbClr val="96607D"/>
+        <a:srgbClr val="954F72"/>
       </a:folHlink>
     </a:clrScheme>
     <a:fontScheme name="Facet">
@@ -6944,4 +7893,319 @@
     </a:ext>
   </a:extLst>
 </a:theme>
+</file>
+
+<file path=ppt/theme/theme2.xml><?xml version="1.0" encoding="utf-8"?>
+<a:theme xmlns:a="http://schemas.openxmlformats.org/drawingml/2006/main" name="Office Theme">
+  <a:themeElements>
+    <a:clrScheme name="Office">
+      <a:dk1>
+        <a:sysClr val="windowText" lastClr="000000"/>
+      </a:dk1>
+      <a:lt1>
+        <a:sysClr val="window" lastClr="FFFFFF"/>
+      </a:lt1>
+      <a:dk2>
+        <a:srgbClr val="0E2841"/>
+      </a:dk2>
+      <a:lt2>
+        <a:srgbClr val="E8E8E8"/>
+      </a:lt2>
+      <a:accent1>
+        <a:srgbClr val="156082"/>
+      </a:accent1>
+      <a:accent2>
+        <a:srgbClr val="E97132"/>
+      </a:accent2>
+      <a:accent3>
+        <a:srgbClr val="196B24"/>
+      </a:accent3>
+      <a:accent4>
+        <a:srgbClr val="0F9ED5"/>
+      </a:accent4>
+      <a:accent5>
+        <a:srgbClr val="A02B93"/>
+      </a:accent5>
+      <a:accent6>
+        <a:srgbClr val="4EA72E"/>
+      </a:accent6>
+      <a:hlink>
+        <a:srgbClr val="467886"/>
+      </a:hlink>
+      <a:folHlink>
+        <a:srgbClr val="96607D"/>
+      </a:folHlink>
+    </a:clrScheme>
+    <a:fontScheme name="Office">
+      <a:majorFont>
+        <a:latin typeface="Aptos Display" panose="02110004020202020204"/>
+        <a:ea typeface=""/>
+        <a:cs typeface=""/>
+        <a:font script="Jpan" typeface="游ゴシック Light"/>
+        <a:font script="Hang" typeface="맑은 고딕"/>
+        <a:font script="Hans" typeface="等线 Light"/>
+        <a:font script="Hant" typeface="新細明體"/>
+        <a:font script="Arab" typeface="Times New Roman"/>
+        <a:font script="Hebr" typeface="Times New Roman"/>
+        <a:font script="Thai" typeface="Angsana New"/>
+        <a:font script="Ethi" typeface="Nyala"/>
+        <a:font script="Beng" typeface="Vrinda"/>
+        <a:font script="Gujr" typeface="Shruti"/>
+        <a:font script="Khmr" typeface="MoolBoran"/>
+        <a:font script="Knda" typeface="Tunga"/>
+        <a:font script="Guru" typeface="Raavi"/>
+        <a:font script="Cans" typeface="Euphemia"/>
+        <a:font script="Cher" typeface="Plantagenet Cherokee"/>
+        <a:font script="Yiii" typeface="Microsoft Yi Baiti"/>
+        <a:font script="Tibt" typeface="Microsoft Himalaya"/>
+        <a:font script="Thaa" typeface="MV Boli"/>
+        <a:font script="Deva" typeface="Mangal"/>
+        <a:font script="Telu" typeface="Gautami"/>
+        <a:font script="Taml" typeface="Latha"/>
+        <a:font script="Syrc" typeface="Estrangelo Edessa"/>
+        <a:font script="Orya" typeface="Kalinga"/>
+        <a:font script="Mlym" typeface="Kartika"/>
+        <a:font script="Laoo" typeface="DokChampa"/>
+        <a:font script="Sinh" typeface="Iskoola Pota"/>
+        <a:font script="Mong" typeface="Mongolian Baiti"/>
+        <a:font script="Viet" typeface="Times New Roman"/>
+        <a:font script="Uigh" typeface="Microsoft Uighur"/>
+        <a:font script="Geor" typeface="Sylfaen"/>
+        <a:font script="Armn" typeface="Arial"/>
+        <a:font script="Bugi" typeface="Leelawadee UI"/>
+        <a:font script="Bopo" typeface="Microsoft JhengHei"/>
+        <a:font script="Java" typeface="Javanese Text"/>
+        <a:font script="Lisu" typeface="Segoe UI"/>
+        <a:font script="Mymr" typeface="Myanmar Text"/>
+        <a:font script="Nkoo" typeface="Ebrima"/>
+        <a:font script="Olck" typeface="Nirmala UI"/>
+        <a:font script="Osma" typeface="Ebrima"/>
+        <a:font script="Phag" typeface="Phagspa"/>
+        <a:font script="Syrn" typeface="Estrangelo Edessa"/>
+        <a:font script="Syrj" typeface="Estrangelo Edessa"/>
+        <a:font script="Syre" typeface="Estrangelo Edessa"/>
+        <a:font script="Sora" typeface="Nirmala UI"/>
+        <a:font script="Tale" typeface="Microsoft Tai Le"/>
+        <a:font script="Talu" typeface="Microsoft New Tai Lue"/>
+        <a:font script="Tfng" typeface="Ebrima"/>
+      </a:majorFont>
+      <a:minorFont>
+        <a:latin typeface="Aptos" panose="02110004020202020204"/>
+        <a:ea typeface=""/>
+        <a:cs typeface=""/>
+        <a:font script="Jpan" typeface="游ゴシック"/>
+        <a:font script="Hang" typeface="맑은 고딕"/>
+        <a:font script="Hans" typeface="等线"/>
+        <a:font script="Hant" typeface="新細明體"/>
+        <a:font script="Arab" typeface="Arial"/>
+        <a:font script="Hebr" typeface="Arial"/>
+        <a:font script="Thai" typeface="Cordia New"/>
+        <a:font script="Ethi" typeface="Nyala"/>
+        <a:font script="Beng" typeface="Vrinda"/>
+        <a:font script="Gujr" typeface="Shruti"/>
+        <a:font script="Khmr" typeface="DaunPenh"/>
+        <a:font script="Knda" typeface="Tunga"/>
+        <a:font script="Guru" typeface="Raavi"/>
+        <a:font script="Cans" typeface="Euphemia"/>
+        <a:font script="Cher" typeface="Plantagenet Cherokee"/>
+        <a:font script="Yiii" typeface="Microsoft Yi Baiti"/>
+        <a:font script="Tibt" typeface="Microsoft Himalaya"/>
+        <a:font script="Thaa" typeface="MV Boli"/>
+        <a:font script="Deva" typeface="Mangal"/>
+        <a:font script="Telu" typeface="Gautami"/>
+        <a:font script="Taml" typeface="Latha"/>
+        <a:font script="Syrc" typeface="Estrangelo Edessa"/>
+        <a:font script="Orya" typeface="Kalinga"/>
+        <a:font script="Mlym" typeface="Kartika"/>
+        <a:font script="Laoo" typeface="DokChampa"/>
+        <a:font script="Sinh" typeface="Iskoola Pota"/>
+        <a:font script="Mong" typeface="Mongolian Baiti"/>
+        <a:font script="Viet" typeface="Arial"/>
+        <a:font script="Uigh" typeface="Microsoft Uighur"/>
+        <a:font script="Geor" typeface="Sylfaen"/>
+        <a:font script="Armn" typeface="Arial"/>
+        <a:font script="Bugi" typeface="Leelawadee UI"/>
+        <a:font script="Bopo" typeface="Microsoft JhengHei"/>
+        <a:font script="Java" typeface="Javanese Text"/>
+        <a:font script="Lisu" typeface="Segoe UI"/>
+        <a:font script="Mymr" typeface="Myanmar Text"/>
+        <a:font script="Nkoo" typeface="Ebrima"/>
+        <a:font script="Olck" typeface="Nirmala UI"/>
+        <a:font script="Osma" typeface="Ebrima"/>
+        <a:font script="Phag" typeface="Phagspa"/>
+        <a:font script="Syrn" typeface="Estrangelo Edessa"/>
+        <a:font script="Syrj" typeface="Estrangelo Edessa"/>
+        <a:font script="Syre" typeface="Estrangelo Edessa"/>
+        <a:font script="Sora" typeface="Nirmala UI"/>
+        <a:font script="Tale" typeface="Microsoft Tai Le"/>
+        <a:font script="Talu" typeface="Microsoft New Tai Lue"/>
+        <a:font script="Tfng" typeface="Ebrima"/>
+      </a:minorFont>
+    </a:fontScheme>
+    <a:fmtScheme name="Office">
+      <a:fillStyleLst>
+        <a:solidFill>
+          <a:schemeClr val="phClr"/>
+        </a:solidFill>
+        <a:gradFill rotWithShape="1">
+          <a:gsLst>
+            <a:gs pos="0">
+              <a:schemeClr val="phClr">
+                <a:lumMod val="110000"/>
+                <a:satMod val="105000"/>
+                <a:tint val="67000"/>
+              </a:schemeClr>
+            </a:gs>
+            <a:gs pos="50000">
+              <a:schemeClr val="phClr">
+                <a:lumMod val="105000"/>
+                <a:satMod val="103000"/>
+                <a:tint val="73000"/>
+              </a:schemeClr>
+            </a:gs>
+            <a:gs pos="100000">
+              <a:schemeClr val="phClr">
+                <a:lumMod val="105000"/>
+                <a:satMod val="109000"/>
+                <a:tint val="81000"/>
+              </a:schemeClr>
+            </a:gs>
+          </a:gsLst>
+          <a:lin ang="5400000" scaled="0"/>
+        </a:gradFill>
+        <a:gradFill rotWithShape="1">
+          <a:gsLst>
+            <a:gs pos="0">
+              <a:schemeClr val="phClr">
+                <a:satMod val="103000"/>
+                <a:lumMod val="102000"/>
+                <a:tint val="94000"/>
+              </a:schemeClr>
+            </a:gs>
+            <a:gs pos="50000">
+              <a:schemeClr val="phClr">
+                <a:satMod val="110000"/>
+                <a:lumMod val="100000"/>
+                <a:shade val="100000"/>
+              </a:schemeClr>
+            </a:gs>
+            <a:gs pos="100000">
+              <a:schemeClr val="phClr">
+                <a:lumMod val="99000"/>
+                <a:satMod val="120000"/>
+                <a:shade val="78000"/>
+              </a:schemeClr>
+            </a:gs>
+          </a:gsLst>
+          <a:lin ang="5400000" scaled="0"/>
+        </a:gradFill>
+      </a:fillStyleLst>
+      <a:lnStyleLst>
+        <a:ln w="12700" cap="flat" cmpd="sng" algn="ctr">
+          <a:solidFill>
+            <a:schemeClr val="phClr"/>
+          </a:solidFill>
+          <a:prstDash val="solid"/>
+          <a:miter lim="800000"/>
+        </a:ln>
+        <a:ln w="19050" cap="flat" cmpd="sng" algn="ctr">
+          <a:solidFill>
+            <a:schemeClr val="phClr"/>
+          </a:solidFill>
+          <a:prstDash val="solid"/>
+          <a:miter lim="800000"/>
+        </a:ln>
+        <a:ln w="25400" cap="flat" cmpd="sng" algn="ctr">
+          <a:solidFill>
+            <a:schemeClr val="phClr"/>
+          </a:solidFill>
+          <a:prstDash val="solid"/>
+          <a:miter lim="800000"/>
+        </a:ln>
+      </a:lnStyleLst>
+      <a:effectStyleLst>
+        <a:effectStyle>
+          <a:effectLst/>
+        </a:effectStyle>
+        <a:effectStyle>
+          <a:effectLst/>
+        </a:effectStyle>
+        <a:effectStyle>
+          <a:effectLst>
+            <a:outerShdw blurRad="57150" dist="19050" dir="5400000" algn="ctr" rotWithShape="0">
+              <a:srgbClr val="000000">
+                <a:alpha val="63000"/>
+              </a:srgbClr>
+            </a:outerShdw>
+          </a:effectLst>
+        </a:effectStyle>
+      </a:effectStyleLst>
+      <a:bgFillStyleLst>
+        <a:solidFill>
+          <a:schemeClr val="phClr"/>
+        </a:solidFill>
+        <a:solidFill>
+          <a:schemeClr val="phClr">
+            <a:tint val="95000"/>
+            <a:satMod val="170000"/>
+          </a:schemeClr>
+        </a:solidFill>
+        <a:gradFill rotWithShape="1">
+          <a:gsLst>
+            <a:gs pos="0">
+              <a:schemeClr val="phClr">
+                <a:tint val="93000"/>
+                <a:satMod val="150000"/>
+                <a:shade val="98000"/>
+                <a:lumMod val="102000"/>
+              </a:schemeClr>
+            </a:gs>
+            <a:gs pos="50000">
+              <a:schemeClr val="phClr">
+                <a:tint val="98000"/>
+                <a:satMod val="130000"/>
+                <a:shade val="90000"/>
+                <a:lumMod val="103000"/>
+              </a:schemeClr>
+            </a:gs>
+            <a:gs pos="100000">
+              <a:schemeClr val="phClr">
+                <a:shade val="63000"/>
+                <a:satMod val="120000"/>
+              </a:schemeClr>
+            </a:gs>
+          </a:gsLst>
+          <a:lin ang="5400000" scaled="0"/>
+        </a:gradFill>
+      </a:bgFillStyleLst>
+    </a:fmtScheme>
+  </a:themeElements>
+  <a:objectDefaults>
+    <a:lnDef>
+      <a:spPr/>
+      <a:bodyPr/>
+      <a:lstStyle/>
+      <a:style>
+        <a:lnRef idx="2">
+          <a:schemeClr val="accent1"/>
+        </a:lnRef>
+        <a:fillRef idx="0">
+          <a:schemeClr val="accent1"/>
+        </a:fillRef>
+        <a:effectRef idx="1">
+          <a:schemeClr val="accent1"/>
+        </a:effectRef>
+        <a:fontRef idx="minor">
+          <a:schemeClr val="tx1"/>
+        </a:fontRef>
+      </a:style>
+    </a:lnDef>
+  </a:objectDefaults>
+  <a:extraClrSchemeLst/>
+  <a:extLst>
+    <a:ext uri="{05A4C25C-085E-4340-85A3-A5531E510DB2}">
+      <thm15:themeFamily xmlns:thm15="http://schemas.microsoft.com/office/thememl/2012/main" name="Office Theme" id="{2E142A2C-CD16-42D6-873A-C26D2A0506FA}" vid="{1BDDFF52-6CD6-40A5-AB3C-68EB2F1E4D0A}"/>
+    </a:ext>
+  </a:extLst>
+</a:theme>
 </file>
--- a/Research Poster.pptx
+++ b/Research Poster.pptx
@@ -6421,8 +6421,8 @@
         </p:nvSpPr>
         <p:spPr>
           <a:xfrm>
-            <a:off x="185717" y="3892845"/>
-            <a:ext cx="3487676" cy="2700000"/>
+            <a:off x="184449" y="3696329"/>
+            <a:ext cx="3378231" cy="1492716"/>
           </a:xfrm>
           <a:prstGeom prst="rect">
             <a:avLst/>
@@ -6442,7 +6442,7 @@
           <a:p>
             <a:pPr algn="ctr"/>
             <a:r>
-              <a:rPr lang="en-IE" sz="1600" b="1" dirty="0">
+              <a:rPr lang="en-IE" sz="1400" b="1" dirty="0">
                 <a:latin typeface="Times New Roman" panose="02020603050405020304" pitchFamily="18" charset="0"/>
                 <a:cs typeface="Times New Roman" panose="02020603050405020304" pitchFamily="18" charset="0"/>
               </a:rPr>
@@ -6451,14 +6451,14 @@
           </a:p>
           <a:p>
             <a:pPr algn="ctr"/>
-            <a:endParaRPr lang="en-IE" sz="1600" dirty="0">
+            <a:endParaRPr lang="en-IE" sz="1400" dirty="0">
               <a:latin typeface="Times New Roman" panose="02020603050405020304" pitchFamily="18" charset="0"/>
               <a:cs typeface="Times New Roman" panose="02020603050405020304" pitchFamily="18" charset="0"/>
             </a:endParaRPr>
           </a:p>
           <a:p>
             <a:r>
-              <a:rPr lang="en-IE" sz="1200" dirty="0">
+              <a:rPr lang="en-IE" sz="1050" dirty="0">
                 <a:latin typeface="Times New Roman" panose="02020603050405020304" pitchFamily="18" charset="0"/>
                 <a:cs typeface="Times New Roman" panose="02020603050405020304" pitchFamily="18" charset="0"/>
               </a:rPr>
@@ -6471,7 +6471,7 @@
               <a:buChar char="•"/>
             </a:pPr>
             <a:r>
-              <a:rPr lang="en-IE" sz="1200" dirty="0">
+              <a:rPr lang="en-IE" sz="1050" dirty="0">
                 <a:latin typeface="Times New Roman" panose="02020603050405020304" pitchFamily="18" charset="0"/>
                 <a:cs typeface="Times New Roman" panose="02020603050405020304" pitchFamily="18" charset="0"/>
               </a:rPr>
@@ -6484,7 +6484,7 @@
               <a:buChar char="•"/>
             </a:pPr>
             <a:r>
-              <a:rPr lang="en-IE" sz="1200" dirty="0">
+              <a:rPr lang="en-IE" sz="1050" dirty="0">
                 <a:latin typeface="Times New Roman" panose="02020603050405020304" pitchFamily="18" charset="0"/>
                 <a:cs typeface="Times New Roman" panose="02020603050405020304" pitchFamily="18" charset="0"/>
               </a:rPr>
@@ -6497,7 +6497,7 @@
               <a:buChar char="•"/>
             </a:pPr>
             <a:r>
-              <a:rPr lang="en-IE" sz="1200" dirty="0">
+              <a:rPr lang="en-IE" sz="1050" dirty="0">
                 <a:latin typeface="Times New Roman" panose="02020603050405020304" pitchFamily="18" charset="0"/>
                 <a:cs typeface="Times New Roman" panose="02020603050405020304" pitchFamily="18" charset="0"/>
               </a:rPr>
@@ -6510,7 +6510,7 @@
               <a:buChar char="•"/>
             </a:pPr>
             <a:r>
-              <a:rPr lang="en-IE" sz="1200" dirty="0">
+              <a:rPr lang="en-IE" sz="1050" dirty="0">
                 <a:latin typeface="Times New Roman" panose="02020603050405020304" pitchFamily="18" charset="0"/>
                 <a:cs typeface="Times New Roman" panose="02020603050405020304" pitchFamily="18" charset="0"/>
               </a:rPr>
@@ -6523,7 +6523,7 @@
               <a:buChar char="•"/>
             </a:pPr>
             <a:r>
-              <a:rPr lang="en-IE" sz="1200" dirty="0">
+              <a:rPr lang="en-IE" sz="1050" dirty="0">
                 <a:latin typeface="Times New Roman" panose="02020603050405020304" pitchFamily="18" charset="0"/>
                 <a:cs typeface="Times New Roman" panose="02020603050405020304" pitchFamily="18" charset="0"/>
               </a:rPr>
@@ -6547,7 +6547,7 @@
         <p:spPr>
           <a:xfrm>
             <a:off x="9657184" y="1502154"/>
-            <a:ext cx="2342792" cy="1446550"/>
+            <a:ext cx="2342792" cy="1512000"/>
           </a:xfrm>
           <a:prstGeom prst="rect">
             <a:avLst/>
@@ -6567,7 +6567,7 @@
           <a:p>
             <a:pPr algn="ctr"/>
             <a:r>
-              <a:rPr lang="en-IE" sz="1600" b="1" dirty="0">
+              <a:rPr lang="en-IE" sz="1400" b="1" dirty="0">
                 <a:latin typeface="Times New Roman" panose="02020603050405020304" pitchFamily="18" charset="0"/>
                 <a:cs typeface="Times New Roman" panose="02020603050405020304" pitchFamily="18" charset="0"/>
               </a:rPr>
@@ -6576,14 +6576,14 @@
           </a:p>
           <a:p>
             <a:pPr algn="ctr"/>
-            <a:endParaRPr lang="en-IE" sz="1200" b="1" dirty="0">
+            <a:endParaRPr lang="en-IE" sz="1050" b="1" dirty="0">
               <a:latin typeface="Times New Roman" panose="02020603050405020304" pitchFamily="18" charset="0"/>
               <a:cs typeface="Times New Roman" panose="02020603050405020304" pitchFamily="18" charset="0"/>
             </a:endParaRPr>
           </a:p>
           <a:p>
             <a:r>
-              <a:rPr lang="en-IE" sz="1200" dirty="0">
+              <a:rPr lang="en-IE" sz="1050" dirty="0">
                 <a:latin typeface="Times New Roman" panose="02020603050405020304" pitchFamily="18" charset="0"/>
                 <a:cs typeface="Times New Roman" panose="02020603050405020304" pitchFamily="18" charset="0"/>
               </a:rPr>
@@ -6596,7 +6596,7 @@
               <a:buChar char="•"/>
             </a:pPr>
             <a:r>
-              <a:rPr lang="en-IE" sz="1200" b="1" dirty="0">
+              <a:rPr lang="en-IE" sz="1050" b="1" dirty="0">
                 <a:latin typeface="Times New Roman" panose="02020603050405020304" pitchFamily="18" charset="0"/>
                 <a:cs typeface="Times New Roman" panose="02020603050405020304" pitchFamily="18" charset="0"/>
               </a:rPr>
@@ -6609,7 +6609,7 @@
               <a:buChar char="•"/>
             </a:pPr>
             <a:r>
-              <a:rPr lang="en-IE" sz="1200" b="1" dirty="0">
+              <a:rPr lang="en-IE" sz="1050" b="1" dirty="0">
                 <a:latin typeface="Times New Roman" panose="02020603050405020304" pitchFamily="18" charset="0"/>
                 <a:cs typeface="Times New Roman" panose="02020603050405020304" pitchFamily="18" charset="0"/>
               </a:rPr>
@@ -6622,7 +6622,7 @@
               <a:buChar char="•"/>
             </a:pPr>
             <a:r>
-              <a:rPr lang="en-IE" sz="1200" b="1" dirty="0">
+              <a:rPr lang="en-IE" sz="1050" b="1" dirty="0">
                 <a:latin typeface="Times New Roman" panose="02020603050405020304" pitchFamily="18" charset="0"/>
                 <a:cs typeface="Times New Roman" panose="02020603050405020304" pitchFamily="18" charset="0"/>
               </a:rPr>
@@ -6645,8 +6645,8 @@
         </p:nvSpPr>
         <p:spPr>
           <a:xfrm>
-            <a:off x="6795112" y="1502154"/>
-            <a:ext cx="2624328" cy="2062103"/>
+            <a:off x="6804403" y="1537037"/>
+            <a:ext cx="2624328" cy="1623521"/>
           </a:xfrm>
           <a:prstGeom prst="rect">
             <a:avLst/>
@@ -6666,7 +6666,7 @@
           <a:p>
             <a:pPr algn="ctr"/>
             <a:r>
-              <a:rPr lang="en-IE" sz="1600" b="1" dirty="0">
+              <a:rPr lang="en-IE" sz="1400" b="1" dirty="0">
                 <a:latin typeface="Times New Roman" panose="02020603050405020304" pitchFamily="18" charset="0"/>
                 <a:cs typeface="Times New Roman" panose="02020603050405020304" pitchFamily="18" charset="0"/>
               </a:rPr>
@@ -6675,7 +6675,7 @@
           </a:p>
           <a:p>
             <a:pPr algn="just"/>
-            <a:endParaRPr lang="en-IE" sz="1200" dirty="0">
+            <a:endParaRPr lang="en-IE" sz="1050" dirty="0">
               <a:latin typeface="Times New Roman" panose="02020603050405020304" pitchFamily="18" charset="0"/>
               <a:cs typeface="Times New Roman" panose="02020603050405020304" pitchFamily="18" charset="0"/>
             </a:endParaRPr>
@@ -6686,7 +6686,7 @@
               <a:buChar char="•"/>
             </a:pPr>
             <a:r>
-              <a:rPr lang="en-GB" sz="1200" dirty="0">
+              <a:rPr lang="en-GB" sz="1050" dirty="0">
                 <a:latin typeface="Times New Roman" panose="02020603050405020304" pitchFamily="18" charset="0"/>
                 <a:cs typeface="Times New Roman" panose="02020603050405020304" pitchFamily="18" charset="0"/>
               </a:rPr>
@@ -6699,7 +6699,7 @@
               <a:buChar char="•"/>
             </a:pPr>
             <a:r>
-              <a:rPr lang="en-GB" sz="1200" dirty="0">
+              <a:rPr lang="en-GB" sz="1050" dirty="0">
                 <a:latin typeface="Times New Roman" panose="02020603050405020304" pitchFamily="18" charset="0"/>
                 <a:cs typeface="Times New Roman" panose="02020603050405020304" pitchFamily="18" charset="0"/>
               </a:rPr>
@@ -6712,7 +6712,7 @@
               <a:buChar char="•"/>
             </a:pPr>
             <a:r>
-              <a:rPr lang="en-GB" sz="1200" dirty="0">
+              <a:rPr lang="en-GB" sz="1050" dirty="0">
                 <a:latin typeface="Times New Roman" panose="02020603050405020304" pitchFamily="18" charset="0"/>
                 <a:cs typeface="Times New Roman" panose="02020603050405020304" pitchFamily="18" charset="0"/>
               </a:rPr>
@@ -6735,8 +6735,8 @@
         </p:nvSpPr>
         <p:spPr>
           <a:xfrm>
-            <a:off x="3933040" y="1502153"/>
-            <a:ext cx="2624328" cy="1877437"/>
+            <a:off x="3933040" y="1502152"/>
+            <a:ext cx="2624328" cy="1656000"/>
           </a:xfrm>
           <a:prstGeom prst="rect">
             <a:avLst/>
@@ -6756,7 +6756,7 @@
           <a:p>
             <a:pPr algn="ctr"/>
             <a:r>
-              <a:rPr lang="en-IE" sz="1600" b="1" dirty="0">
+              <a:rPr lang="en-IE" sz="1400" b="1" dirty="0">
                 <a:latin typeface="Times New Roman" panose="02020603050405020304" pitchFamily="18" charset="0"/>
                 <a:cs typeface="Times New Roman" panose="02020603050405020304" pitchFamily="18" charset="0"/>
               </a:rPr>
@@ -6765,7 +6765,7 @@
           </a:p>
           <a:p>
             <a:pPr algn="ctr"/>
-            <a:endParaRPr lang="en-IE" sz="1600" dirty="0">
+            <a:endParaRPr lang="en-IE" sz="1050" dirty="0">
               <a:latin typeface="Times New Roman" panose="02020603050405020304" pitchFamily="18" charset="0"/>
               <a:cs typeface="Times New Roman" panose="02020603050405020304" pitchFamily="18" charset="0"/>
             </a:endParaRPr>
@@ -6776,7 +6776,7 @@
               <a:buChar char="•"/>
             </a:pPr>
             <a:r>
-              <a:rPr lang="en-IE" sz="1200" dirty="0">
+              <a:rPr lang="en-IE" sz="1050" dirty="0">
                 <a:latin typeface="Times New Roman" panose="02020603050405020304" pitchFamily="18" charset="0"/>
                 <a:cs typeface="Times New Roman" panose="02020603050405020304" pitchFamily="18" charset="0"/>
               </a:rPr>
@@ -6789,7 +6789,7 @@
               <a:buChar char="•"/>
             </a:pPr>
             <a:r>
-              <a:rPr lang="en-IE" sz="1200" dirty="0">
+              <a:rPr lang="en-IE" sz="1050" dirty="0">
                 <a:latin typeface="Times New Roman" panose="02020603050405020304" pitchFamily="18" charset="0"/>
                 <a:cs typeface="Times New Roman" panose="02020603050405020304" pitchFamily="18" charset="0"/>
               </a:rPr>
@@ -6802,11 +6802,11 @@
               <a:buChar char="•"/>
             </a:pPr>
             <a:r>
-              <a:rPr lang="en-IE" sz="1200" dirty="0">
+              <a:rPr lang="en-IE" sz="1050" dirty="0">
                 <a:latin typeface="Times New Roman" panose="02020603050405020304" pitchFamily="18" charset="0"/>
                 <a:cs typeface="Times New Roman" panose="02020603050405020304" pitchFamily="18" charset="0"/>
               </a:rPr>
-              <a:t>Application designed to cater Admin and Carer</a:t>
+              <a:t>Application designed to cater Admin and Carer.</a:t>
             </a:r>
           </a:p>
         </p:txBody>
@@ -6825,8 +6825,8 @@
         </p:nvSpPr>
         <p:spPr>
           <a:xfrm>
-            <a:off x="6804403" y="3831290"/>
-            <a:ext cx="2624328" cy="2772000"/>
+            <a:off x="6788814" y="3402927"/>
+            <a:ext cx="2624328" cy="1731243"/>
           </a:xfrm>
           <a:prstGeom prst="rect">
             <a:avLst/>
@@ -6846,7 +6846,7 @@
           <a:p>
             <a:pPr algn="ctr"/>
             <a:r>
-              <a:rPr lang="en-IE" sz="1600" b="1" dirty="0">
+              <a:rPr lang="en-IE" sz="1200" b="1" dirty="0">
                 <a:latin typeface="Times New Roman" panose="02020603050405020304" pitchFamily="18" charset="0"/>
                 <a:cs typeface="Times New Roman" panose="02020603050405020304" pitchFamily="18" charset="0"/>
               </a:rPr>
@@ -6854,7 +6854,7 @@
             </a:r>
           </a:p>
           <a:p>
-            <a:endParaRPr lang="en-IE" sz="1200" dirty="0">
+            <a:endParaRPr lang="en-IE" sz="1050" dirty="0">
               <a:latin typeface="Times New Roman" panose="02020603050405020304" pitchFamily="18" charset="0"/>
               <a:cs typeface="Times New Roman" panose="02020603050405020304" pitchFamily="18" charset="0"/>
             </a:endParaRPr>
@@ -6865,7 +6865,7 @@
               <a:buChar char="•"/>
             </a:pPr>
             <a:r>
-              <a:rPr lang="en-IE" sz="1200" dirty="0">
+              <a:rPr lang="en-IE" sz="1050" dirty="0">
                 <a:latin typeface="Times New Roman" panose="02020603050405020304" pitchFamily="18" charset="0"/>
                 <a:cs typeface="Times New Roman" panose="02020603050405020304" pitchFamily="18" charset="0"/>
               </a:rPr>
@@ -6878,7 +6878,7 @@
               <a:buChar char="•"/>
             </a:pPr>
             <a:r>
-              <a:rPr lang="en-IE" sz="1200" dirty="0">
+              <a:rPr lang="en-IE" sz="1050" dirty="0">
                 <a:latin typeface="Times New Roman" panose="02020603050405020304" pitchFamily="18" charset="0"/>
                 <a:cs typeface="Times New Roman" panose="02020603050405020304" pitchFamily="18" charset="0"/>
               </a:rPr>
@@ -6891,7 +6891,7 @@
               <a:buChar char="•"/>
             </a:pPr>
             <a:r>
-              <a:rPr lang="en-IE" sz="1200" dirty="0">
+              <a:rPr lang="en-IE" sz="1050" dirty="0">
                 <a:latin typeface="Times New Roman" panose="02020603050405020304" pitchFamily="18" charset="0"/>
                 <a:cs typeface="Times New Roman" panose="02020603050405020304" pitchFamily="18" charset="0"/>
               </a:rPr>
@@ -6904,7 +6904,7 @@
               <a:buChar char="•"/>
             </a:pPr>
             <a:r>
-              <a:rPr lang="en-IE" sz="1200" dirty="0">
+              <a:rPr lang="en-IE" sz="1050" dirty="0">
                 <a:latin typeface="Times New Roman" panose="02020603050405020304" pitchFamily="18" charset="0"/>
                 <a:cs typeface="Times New Roman" panose="02020603050405020304" pitchFamily="18" charset="0"/>
               </a:rPr>
@@ -6917,7 +6917,7 @@
               <a:buChar char="•"/>
             </a:pPr>
             <a:r>
-              <a:rPr lang="en-IE" sz="1200" dirty="0">
+              <a:rPr lang="en-IE" sz="1050" dirty="0">
                 <a:latin typeface="Times New Roman" panose="02020603050405020304" pitchFamily="18" charset="0"/>
                 <a:cs typeface="Times New Roman" panose="02020603050405020304" pitchFamily="18" charset="0"/>
               </a:rPr>
@@ -6930,18 +6930,11 @@
               <a:buChar char="•"/>
             </a:pPr>
             <a:r>
-              <a:rPr lang="en-IE" sz="1200" dirty="0">
+              <a:rPr lang="en-IE" sz="1050" dirty="0">
                 <a:latin typeface="Times New Roman" panose="02020603050405020304" pitchFamily="18" charset="0"/>
                 <a:cs typeface="Times New Roman" panose="02020603050405020304" pitchFamily="18" charset="0"/>
               </a:rPr>
-              <a:t>Method of encrypting and decrypting data using two keys</a:t>
-            </a:r>
-            <a:r>
-              <a:rPr lang="en-IE" sz="1200" b="1" dirty="0">
-                <a:latin typeface="Times New Roman" panose="02020603050405020304" pitchFamily="18" charset="0"/>
-                <a:cs typeface="Times New Roman" panose="02020603050405020304" pitchFamily="18" charset="0"/>
-              </a:rPr>
-              <a:t>.</a:t>
+              <a:t>Method of encrypting and decrypting data using two keys.</a:t>
             </a:r>
             <a:endParaRPr lang="en-IE" sz="1600" b="1" dirty="0">
               <a:latin typeface="Times New Roman" panose="02020603050405020304" pitchFamily="18" charset="0"/>
@@ -7337,8 +7330,8 @@
         </p:blipFill>
         <p:spPr bwMode="auto">
           <a:xfrm>
-            <a:off x="3933740" y="3530605"/>
-            <a:ext cx="2617321" cy="1006325"/>
+            <a:off x="184450" y="5448692"/>
+            <a:ext cx="1488702" cy="1015663"/>
           </a:xfrm>
           <a:prstGeom prst="rect">
             <a:avLst/>
@@ -7369,7 +7362,7 @@
         </p:nvSpPr>
         <p:spPr>
           <a:xfrm>
-            <a:off x="4919103" y="4534199"/>
+            <a:off x="624953" y="6464355"/>
             <a:ext cx="607695" cy="222885"/>
           </a:xfrm>
           <a:prstGeom prst="rect">
@@ -7422,8 +7415,8 @@
         </p:blipFill>
         <p:spPr bwMode="auto">
           <a:xfrm>
-            <a:off x="2087173" y="4983810"/>
-            <a:ext cx="1352192" cy="1006327"/>
+            <a:off x="1943658" y="5448690"/>
+            <a:ext cx="1488702" cy="1015663"/>
           </a:xfrm>
           <a:prstGeom prst="rect">
             <a:avLst/>
@@ -7454,7 +7447,7 @@
         </p:nvSpPr>
         <p:spPr>
           <a:xfrm>
-            <a:off x="2459421" y="6056477"/>
+            <a:off x="2417655" y="6415659"/>
             <a:ext cx="607695" cy="222885"/>
           </a:xfrm>
           <a:prstGeom prst="rect">
@@ -7492,8 +7485,8 @@
         </p:nvSpPr>
         <p:spPr>
           <a:xfrm>
-            <a:off x="3933740" y="4757084"/>
-            <a:ext cx="2624328" cy="1846659"/>
+            <a:off x="3920444" y="3425184"/>
+            <a:ext cx="2624328" cy="1692000"/>
           </a:xfrm>
           <a:prstGeom prst="rect">
             <a:avLst/>
@@ -7513,7 +7506,7 @@
           <a:p>
             <a:pPr algn="ctr"/>
             <a:r>
-              <a:rPr lang="en-IE" sz="1600" b="1" dirty="0">
+              <a:rPr lang="en-IE" sz="1400" b="1" dirty="0">
                 <a:latin typeface="Times New Roman" panose="02020603050405020304" pitchFamily="18" charset="0"/>
                 <a:cs typeface="Times New Roman" panose="02020603050405020304" pitchFamily="18" charset="0"/>
               </a:rPr>
@@ -7521,14 +7514,14 @@
             </a:r>
           </a:p>
           <a:p>
-            <a:endParaRPr lang="en-IE" sz="1000" dirty="0">
+            <a:endParaRPr lang="en-IE" sz="1050" dirty="0">
               <a:latin typeface="Times New Roman" panose="02020603050405020304" pitchFamily="18" charset="0"/>
               <a:cs typeface="Times New Roman" panose="02020603050405020304" pitchFamily="18" charset="0"/>
             </a:endParaRPr>
           </a:p>
           <a:p>
             <a:r>
-              <a:rPr lang="en-IE" sz="1100" dirty="0">
+              <a:rPr lang="en-IE" sz="1050" dirty="0">
                 <a:latin typeface="Times New Roman" panose="02020603050405020304" pitchFamily="18" charset="0"/>
                 <a:cs typeface="Times New Roman" panose="02020603050405020304" pitchFamily="18" charset="0"/>
               </a:rPr>
@@ -7541,21 +7534,21 @@
               <a:buChar char="•"/>
             </a:pPr>
             <a:r>
-              <a:rPr lang="en-IE" sz="1100" dirty="0">
+              <a:rPr lang="en-IE" sz="1050" dirty="0">
                 <a:latin typeface="Times New Roman" panose="02020603050405020304" pitchFamily="18" charset="0"/>
                 <a:cs typeface="Times New Roman" panose="02020603050405020304" pitchFamily="18" charset="0"/>
               </a:rPr>
               <a:t>Python: </a:t>
             </a:r>
             <a:r>
-              <a:rPr lang="en-IE" sz="1100" dirty="0">
+              <a:rPr lang="en-IE" sz="1050" dirty="0">
                 <a:latin typeface="Times New Roman" panose="02020603050405020304" pitchFamily="18" charset="0"/>
                 <a:cs typeface="Times New Roman" panose="02020603050405020304" pitchFamily="18" charset="0"/>
                 <a:hlinkClick r:id="rId12"/>
               </a:rPr>
               <a:t>https://www.python.org/</a:t>
             </a:r>
-            <a:endParaRPr lang="en-IE" sz="1100" dirty="0">
+            <a:endParaRPr lang="en-IE" sz="1050" dirty="0">
               <a:latin typeface="Times New Roman" panose="02020603050405020304" pitchFamily="18" charset="0"/>
               <a:cs typeface="Times New Roman" panose="02020603050405020304" pitchFamily="18" charset="0"/>
             </a:endParaRPr>
@@ -7566,21 +7559,21 @@
               <a:buChar char="•"/>
             </a:pPr>
             <a:r>
-              <a:rPr lang="en-IE" sz="1100" dirty="0">
+              <a:rPr lang="en-IE" sz="1050" dirty="0">
                 <a:latin typeface="Times New Roman" panose="02020603050405020304" pitchFamily="18" charset="0"/>
                 <a:cs typeface="Times New Roman" panose="02020603050405020304" pitchFamily="18" charset="0"/>
               </a:rPr>
               <a:t>Django: </a:t>
             </a:r>
             <a:r>
-              <a:rPr lang="en-IE" sz="1100" dirty="0">
+              <a:rPr lang="en-IE" sz="1050" dirty="0">
                 <a:latin typeface="Times New Roman" panose="02020603050405020304" pitchFamily="18" charset="0"/>
                 <a:cs typeface="Times New Roman" panose="02020603050405020304" pitchFamily="18" charset="0"/>
                 <a:hlinkClick r:id="rId13"/>
               </a:rPr>
               <a:t>https://www.djangoproject.com/</a:t>
             </a:r>
-            <a:endParaRPr lang="en-IE" sz="1100" dirty="0">
+            <a:endParaRPr lang="en-IE" sz="1050" dirty="0">
               <a:latin typeface="Times New Roman" panose="02020603050405020304" pitchFamily="18" charset="0"/>
               <a:cs typeface="Times New Roman" panose="02020603050405020304" pitchFamily="18" charset="0"/>
             </a:endParaRPr>
@@ -7591,12 +7584,24 @@
               <a:buChar char="•"/>
             </a:pPr>
             <a:r>
-              <a:rPr lang="en-IE" sz="1100" dirty="0">
+              <a:rPr lang="en-IE" sz="1050" dirty="0">
                 <a:latin typeface="Times New Roman" panose="02020603050405020304" pitchFamily="18" charset="0"/>
                 <a:cs typeface="Times New Roman" panose="02020603050405020304" pitchFamily="18" charset="0"/>
               </a:rPr>
-              <a:t>MariaDB: https://mariadb.org/</a:t>
-            </a:r>
+              <a:t>MariaDB: </a:t>
+            </a:r>
+            <a:r>
+              <a:rPr lang="en-IE" sz="1050" dirty="0">
+                <a:latin typeface="Times New Roman" panose="02020603050405020304" pitchFamily="18" charset="0"/>
+                <a:cs typeface="Times New Roman" panose="02020603050405020304" pitchFamily="18" charset="0"/>
+                <a:hlinkClick r:id="rId14"/>
+              </a:rPr>
+              <a:t>https://mariadb.org/</a:t>
+            </a:r>
+            <a:endParaRPr lang="en-IE" sz="1050" dirty="0">
+              <a:latin typeface="Times New Roman" panose="02020603050405020304" pitchFamily="18" charset="0"/>
+              <a:cs typeface="Times New Roman" panose="02020603050405020304" pitchFamily="18" charset="0"/>
+            </a:endParaRPr>
           </a:p>
           <a:p>
             <a:pPr marL="171450" indent="-171450">
@@ -7604,24 +7609,160 @@
               <a:buChar char="•"/>
             </a:pPr>
             <a:r>
-              <a:rPr lang="en-IE" sz="1100" dirty="0">
+              <a:rPr lang="en-IE" sz="1050" dirty="0">
                 <a:latin typeface="Times New Roman" panose="02020603050405020304" pitchFamily="18" charset="0"/>
                 <a:cs typeface="Times New Roman" panose="02020603050405020304" pitchFamily="18" charset="0"/>
               </a:rPr>
               <a:t>Cryptography lib: </a:t>
             </a:r>
             <a:r>
-              <a:rPr lang="en-IE" sz="1100" dirty="0">
+              <a:rPr lang="en-IE" sz="1050" dirty="0">
                 <a:latin typeface="Times New Roman" panose="02020603050405020304" pitchFamily="18" charset="0"/>
                 <a:cs typeface="Times New Roman" panose="02020603050405020304" pitchFamily="18" charset="0"/>
-                <a:hlinkClick r:id="rId14"/>
+                <a:hlinkClick r:id="rId15"/>
               </a:rPr>
               <a:t>https://pypi.org/project/cryptography/ </a:t>
             </a:r>
-            <a:endParaRPr lang="en-IE" sz="1100" dirty="0">
+            <a:endParaRPr lang="en-IE" sz="1050" dirty="0">
               <a:latin typeface="Times New Roman" panose="02020603050405020304" pitchFamily="18" charset="0"/>
               <a:cs typeface="Times New Roman" panose="02020603050405020304" pitchFamily="18" charset="0"/>
             </a:endParaRPr>
+          </a:p>
+        </p:txBody>
+      </p:sp>
+      <p:pic>
+        <p:nvPicPr>
+          <p:cNvPr id="2" name="Picture 1" descr="A diagram of a key encrypted key encryption&#10;&#10;Description automatically generated">
+            <a:extLst>
+              <a:ext uri="{FF2B5EF4-FFF2-40B4-BE49-F238E27FC236}">
+                <a16:creationId xmlns:a16="http://schemas.microsoft.com/office/drawing/2014/main" id="{DAEEA6D2-384C-9A95-DB7E-7B66C1F72214}"/>
+              </a:ext>
+            </a:extLst>
+          </p:cNvPr>
+          <p:cNvPicPr>
+            <a:picLocks noChangeAspect="1"/>
+          </p:cNvPicPr>
+          <p:nvPr/>
+        </p:nvPicPr>
+        <p:blipFill>
+          <a:blip r:embed="rId16"/>
+          <a:stretch>
+            <a:fillRect/>
+          </a:stretch>
+        </p:blipFill>
+        <p:spPr>
+          <a:xfrm>
+            <a:off x="3947033" y="5189045"/>
+            <a:ext cx="2657485" cy="1288880"/>
+          </a:xfrm>
+          <a:prstGeom prst="rect">
+            <a:avLst/>
+          </a:prstGeom>
+        </p:spPr>
+      </p:pic>
+      <p:pic>
+        <p:nvPicPr>
+          <p:cNvPr id="4" name="Picture 3" descr="A diagram of a computer network&#10;&#10;Description automatically generated">
+            <a:extLst>
+              <a:ext uri="{FF2B5EF4-FFF2-40B4-BE49-F238E27FC236}">
+                <a16:creationId xmlns:a16="http://schemas.microsoft.com/office/drawing/2014/main" id="{93741AFF-5D87-0A72-BD1E-F20A841646DA}"/>
+              </a:ext>
+            </a:extLst>
+          </p:cNvPr>
+          <p:cNvPicPr>
+            <a:picLocks noChangeAspect="1"/>
+          </p:cNvPicPr>
+          <p:nvPr/>
+        </p:nvPicPr>
+        <p:blipFill>
+          <a:blip r:embed="rId17"/>
+          <a:stretch>
+            <a:fillRect/>
+          </a:stretch>
+        </p:blipFill>
+        <p:spPr>
+          <a:xfrm>
+            <a:off x="6875923" y="5152115"/>
+            <a:ext cx="2511964" cy="1362740"/>
+          </a:xfrm>
+          <a:prstGeom prst="rect">
+            <a:avLst/>
+          </a:prstGeom>
+        </p:spPr>
+      </p:pic>
+      <p:sp>
+        <p:nvSpPr>
+          <p:cNvPr id="5" name="TextBox 4">
+            <a:extLst>
+              <a:ext uri="{FF2B5EF4-FFF2-40B4-BE49-F238E27FC236}">
+                <a16:creationId xmlns:a16="http://schemas.microsoft.com/office/drawing/2014/main" id="{F5B941F3-CAC9-8A57-D842-6D3DBAE126EA}"/>
+              </a:ext>
+            </a:extLst>
+          </p:cNvPr>
+          <p:cNvSpPr txBox="1"/>
+          <p:nvPr/>
+        </p:nvSpPr>
+        <p:spPr>
+          <a:xfrm>
+            <a:off x="5040803" y="6549786"/>
+            <a:ext cx="607695" cy="222885"/>
+          </a:xfrm>
+          <a:prstGeom prst="rect">
+            <a:avLst/>
+          </a:prstGeom>
+          <a:noFill/>
+        </p:spPr>
+        <p:txBody>
+          <a:bodyPr wrap="square" rtlCol="0">
+            <a:spAutoFit/>
+          </a:bodyPr>
+          <a:lstStyle/>
+          <a:p>
+            <a:r>
+              <a:rPr lang="en-IE" sz="800" dirty="0">
+                <a:latin typeface="Times New Roman" panose="02020603050405020304" pitchFamily="18" charset="0"/>
+                <a:cs typeface="Times New Roman" panose="02020603050405020304" pitchFamily="18" charset="0"/>
+              </a:rPr>
+              <a:t>Figure [3] </a:t>
+            </a:r>
+          </a:p>
+        </p:txBody>
+      </p:sp>
+      <p:sp>
+        <p:nvSpPr>
+          <p:cNvPr id="6" name="TextBox 5">
+            <a:extLst>
+              <a:ext uri="{FF2B5EF4-FFF2-40B4-BE49-F238E27FC236}">
+                <a16:creationId xmlns:a16="http://schemas.microsoft.com/office/drawing/2014/main" id="{8B7F30F3-796E-6502-E7CC-133248E0A46B}"/>
+              </a:ext>
+            </a:extLst>
+          </p:cNvPr>
+          <p:cNvSpPr txBox="1"/>
+          <p:nvPr/>
+        </p:nvSpPr>
+        <p:spPr>
+          <a:xfrm>
+            <a:off x="7996740" y="6587317"/>
+            <a:ext cx="607695" cy="222885"/>
+          </a:xfrm>
+          <a:prstGeom prst="rect">
+            <a:avLst/>
+          </a:prstGeom>
+          <a:noFill/>
+        </p:spPr>
+        <p:txBody>
+          <a:bodyPr wrap="square" rtlCol="0">
+            <a:spAutoFit/>
+          </a:bodyPr>
+          <a:lstStyle/>
+          <a:p>
+            <a:r>
+              <a:rPr lang="en-IE" sz="800" dirty="0">
+                <a:latin typeface="Times New Roman" panose="02020603050405020304" pitchFamily="18" charset="0"/>
+                <a:cs typeface="Times New Roman" panose="02020603050405020304" pitchFamily="18" charset="0"/>
+              </a:rPr>
+              <a:t>Figure [3] </a:t>
+            </a:r>
           </a:p>
         </p:txBody>
       </p:sp>

--- a/Research Poster.pptx
+++ b/Research Poster.pptx
@@ -559,7 +559,7 @@
 </file>
 
 <file path=ppt/slideLayouts/slideLayout1.xml><?xml version="1.0" encoding="utf-8"?>
-<p:sldLayout xmlns:a="http://schemas.openxmlformats.org/drawingml/2006/main" xmlns:r="http://schemas.openxmlformats.org/officeDocument/2006/relationships" xmlns:p="http://schemas.openxmlformats.org/presentationml/2006/main" showMasterSp="0" type="title" preserve="1">
+<p:sldLayout xmlns:a="http://schemas.openxmlformats.org/drawingml/2006/main" xmlns:r="http://schemas.openxmlformats.org/officeDocument/2006/relationships" xmlns:p="http://schemas.openxmlformats.org/presentationml/2006/main" type="title" preserve="1">
   <p:cSld name="Title Slide">
     <p:spTree>
       <p:nvGrpSpPr>
@@ -5073,9 +5073,14 @@
 <p:sldMaster xmlns:a="http://schemas.openxmlformats.org/drawingml/2006/main" xmlns:r="http://schemas.openxmlformats.org/officeDocument/2006/relationships" xmlns:p="http://schemas.openxmlformats.org/presentationml/2006/main">
   <p:cSld>
     <p:bg>
-      <p:bgRef idx="1001">
-        <a:schemeClr val="bg1"/>
-      </p:bgRef>
+      <p:bgPr>
+        <a:solidFill>
+          <a:schemeClr val="bg1">
+            <a:alpha val="22000"/>
+          </a:schemeClr>
+        </a:solidFill>
+        <a:effectLst/>
+      </p:bgPr>
     </p:bg>
     <p:spTree>
       <p:nvGrpSpPr>
@@ -6552,7 +6557,11 @@
           <a:prstGeom prst="rect">
             <a:avLst/>
           </a:prstGeom>
-          <a:noFill/>
+          <a:solidFill>
+            <a:srgbClr val="FFFFFF">
+              <a:alpha val="80000"/>
+            </a:srgbClr>
+          </a:solidFill>
           <a:ln w="19050">
             <a:solidFill>
               <a:schemeClr val="tx1"/>
@@ -6963,7 +6972,11 @@
           <a:prstGeom prst="rect">
             <a:avLst/>
           </a:prstGeom>
-          <a:noFill/>
+          <a:solidFill>
+            <a:srgbClr val="FFFFFF">
+              <a:alpha val="80000"/>
+            </a:srgbClr>
+          </a:solidFill>
           <a:ln w="19050">
             <a:solidFill>
               <a:schemeClr val="tx1"/>

--- a/Research Poster.pptx
+++ b/Research Poster.pptx
@@ -6506,7 +6506,7 @@
                 <a:latin typeface="Times New Roman" panose="02020603050405020304" pitchFamily="18" charset="0"/>
                 <a:cs typeface="Times New Roman" panose="02020603050405020304" pitchFamily="18" charset="0"/>
               </a:rPr>
-              <a:t>Care Planer</a:t>
+              <a:t>Care Planner</a:t>
             </a:r>
           </a:p>
           <a:p>
@@ -6551,8 +6551,8 @@
         </p:nvSpPr>
         <p:spPr>
           <a:xfrm>
-            <a:off x="9657184" y="1502154"/>
-            <a:ext cx="2342792" cy="1512000"/>
+            <a:off x="9657184" y="1502153"/>
+            <a:ext cx="2342792" cy="1656000"/>
           </a:xfrm>
           <a:prstGeom prst="rect">
             <a:avLst/>
@@ -6582,22 +6582,10 @@
               </a:rPr>
               <a:t>Existing Systems</a:t>
             </a:r>
-          </a:p>
-          <a:p>
-            <a:pPr algn="ctr"/>
-            <a:endParaRPr lang="en-IE" sz="1050" b="1" dirty="0">
+            <a:endParaRPr lang="en-IE" sz="1050" dirty="0">
               <a:latin typeface="Times New Roman" panose="02020603050405020304" pitchFamily="18" charset="0"/>
               <a:cs typeface="Times New Roman" panose="02020603050405020304" pitchFamily="18" charset="0"/>
             </a:endParaRPr>
-          </a:p>
-          <a:p>
-            <a:r>
-              <a:rPr lang="en-IE" sz="1050" dirty="0">
-                <a:latin typeface="Times New Roman" panose="02020603050405020304" pitchFamily="18" charset="0"/>
-                <a:cs typeface="Times New Roman" panose="02020603050405020304" pitchFamily="18" charset="0"/>
-              </a:rPr>
-              <a:t>A few existing System during  I found during research include:</a:t>
-            </a:r>
           </a:p>
           <a:p>
             <a:pPr marL="285750" indent="-285750">
@@ -6699,7 +6687,7 @@
                 <a:latin typeface="Times New Roman" panose="02020603050405020304" pitchFamily="18" charset="0"/>
                 <a:cs typeface="Times New Roman" panose="02020603050405020304" pitchFamily="18" charset="0"/>
               </a:rPr>
-              <a:t>Is framework for the exchange, integration, sharing and retrieval of health information.</a:t>
+              <a:t>Framework for the exchange, integration, sharing and retrieval of health information.</a:t>
             </a:r>
           </a:p>
           <a:p>
@@ -6744,7 +6732,7 @@
         </p:nvSpPr>
         <p:spPr>
           <a:xfrm>
-            <a:off x="3933040" y="1502152"/>
+            <a:off x="3933040" y="1502151"/>
             <a:ext cx="2624328" cy="1656000"/>
           </a:xfrm>
           <a:prstGeom prst="rect">
@@ -6789,7 +6777,7 @@
                 <a:latin typeface="Times New Roman" panose="02020603050405020304" pitchFamily="18" charset="0"/>
                 <a:cs typeface="Times New Roman" panose="02020603050405020304" pitchFamily="18" charset="0"/>
               </a:rPr>
-              <a:t>It is a secure web application to safeguard and manage patient data in car centres. </a:t>
+              <a:t>It is a secure web application to safeguard and manage patient data in care centres. </a:t>
             </a:r>
           </a:p>
           <a:p>
@@ -6834,7 +6822,7 @@
         </p:nvSpPr>
         <p:spPr>
           <a:xfrm>
-            <a:off x="6788814" y="3402927"/>
+            <a:off x="6803861" y="3361032"/>
             <a:ext cx="2624328" cy="1731243"/>
           </a:xfrm>
           <a:prstGeom prst="rect">
@@ -6878,7 +6866,7 @@
                 <a:latin typeface="Times New Roman" panose="02020603050405020304" pitchFamily="18" charset="0"/>
                 <a:cs typeface="Times New Roman" panose="02020603050405020304" pitchFamily="18" charset="0"/>
               </a:rPr>
-              <a:t>Shared key form of cryptography. </a:t>
+              <a:t>Shared key is a form of cryptography. </a:t>
             </a:r>
           </a:p>
           <a:p>
@@ -6917,7 +6905,7 @@
                 <a:latin typeface="Times New Roman" panose="02020603050405020304" pitchFamily="18" charset="0"/>
                 <a:cs typeface="Times New Roman" panose="02020603050405020304" pitchFamily="18" charset="0"/>
               </a:rPr>
-              <a:t>Public key form of cryptography.</a:t>
+              <a:t>Public key is a form of cryptography.</a:t>
             </a:r>
           </a:p>
           <a:p>
@@ -6966,7 +6954,7 @@
         </p:nvSpPr>
         <p:spPr>
           <a:xfrm>
-            <a:off x="9657184" y="3246517"/>
+            <a:off x="9657184" y="3361032"/>
             <a:ext cx="2342792" cy="3340800"/>
           </a:xfrm>
           <a:prstGeom prst="rect">
@@ -7498,7 +7486,7 @@
         </p:nvSpPr>
         <p:spPr>
           <a:xfrm>
-            <a:off x="3920444" y="3425184"/>
+            <a:off x="3933040" y="3361032"/>
             <a:ext cx="2624328" cy="1692000"/>
           </a:xfrm>
           <a:prstGeom prst="rect">
@@ -7695,7 +7683,7 @@
         </p:blipFill>
         <p:spPr>
           <a:xfrm>
-            <a:off x="6875923" y="5152115"/>
+            <a:off x="6916225" y="5164361"/>
             <a:ext cx="2511964" cy="1362740"/>
           </a:xfrm>
           <a:prstGeom prst="rect">

--- a/Research Poster.pptx
+++ b/Research Poster.pptx
@@ -7487,7 +7487,7 @@
         <p:spPr>
           <a:xfrm>
             <a:off x="3933040" y="3361032"/>
-            <a:ext cx="2624328" cy="1692000"/>
+            <a:ext cx="2624328" cy="1728000"/>
           </a:xfrm>
           <a:prstGeom prst="rect">
             <a:avLst/>
